--- a/present/present2011.pptx
+++ b/present/present2011.pptx
@@ -3071,7 +3071,7 @@
                 </a14:imgProps>
               </a:ext>
               <a:ext uri="{28A0092B-C50C-407E-A947-70E740481C1C}">
-                <a14:useLocalDpi xmlns:a14="http://schemas.microsoft.com/office/drawing/2010/main" val="0"/>
+                <a14:useLocalDpi xmlns:a14="http://schemas.microsoft.com/office/drawing/2010/main"/>
               </a:ext>
             </a:extLst>
           </a:blip>
@@ -3127,8 +3127,8 @@
         </p:nvSpPr>
         <p:spPr>
           <a:xfrm rot="20788852">
-            <a:off x="-86714" y="797533"/>
-            <a:ext cx="6383479" cy="1077218"/>
+            <a:off x="113971" y="1361586"/>
+            <a:ext cx="6575839" cy="2062103"/>
           </a:xfrm>
           <a:prstGeom prst="rect">
             <a:avLst/>
@@ -3137,69 +3137,39 @@
         </p:spPr>
         <p:txBody>
           <a:bodyPr wrap="none" lIns="91440" tIns="45720" rIns="91440" bIns="45720">
+            <a:prstTxWarp prst="textCanDown">
+              <a:avLst/>
+            </a:prstTxWarp>
             <a:spAutoFit/>
-            <a:scene3d>
-              <a:camera prst="orthographicFront"/>
-              <a:lightRig rig="glow" dir="tl">
-                <a:rot lat="0" lon="0" rev="5400000"/>
-              </a:lightRig>
-            </a:scene3d>
-            <a:sp3d contourW="12700">
-              <a:bevelT w="25400" h="25400"/>
-              <a:contourClr>
-                <a:schemeClr val="accent6">
-                  <a:shade val="73000"/>
-                </a:schemeClr>
-              </a:contourClr>
-            </a:sp3d>
           </a:bodyPr>
           <a:lstStyle/>
           <a:p>
             <a:pPr algn="ctr"/>
             <a:r>
               <a:rPr lang="ru-RU" sz="3200" b="1" i="1" dirty="0">
-                <a:ln w="11430"/>
-                <a:gradFill>
-                  <a:gsLst>
-                    <a:gs pos="0">
-                      <a:schemeClr val="accent6">
-                        <a:tint val="90000"/>
-                        <a:satMod val="120000"/>
-                      </a:schemeClr>
-                    </a:gs>
-                    <a:gs pos="25000">
-                      <a:schemeClr val="accent6">
-                        <a:tint val="93000"/>
-                        <a:satMod val="120000"/>
-                      </a:schemeClr>
-                    </a:gs>
-                    <a:gs pos="50000">
-                      <a:schemeClr val="accent6">
-                        <a:shade val="89000"/>
-                        <a:satMod val="110000"/>
-                      </a:schemeClr>
-                    </a:gs>
-                    <a:gs pos="75000">
-                      <a:schemeClr val="accent6">
-                        <a:tint val="93000"/>
-                        <a:satMod val="120000"/>
-                      </a:schemeClr>
-                    </a:gs>
-                    <a:gs pos="100000">
-                      <a:schemeClr val="accent6">
-                        <a:tint val="90000"/>
-                        <a:satMod val="120000"/>
-                      </a:schemeClr>
-                    </a:gs>
-                  </a:gsLst>
-                  <a:lin ang="5400000"/>
-                </a:gradFill>
+                <a:ln w="900" cmpd="sng">
+                  <a:solidFill>
+                    <a:schemeClr val="accent1">
+                      <a:satMod val="190000"/>
+                      <a:alpha val="55000"/>
+                    </a:schemeClr>
+                  </a:solidFill>
+                  <a:prstDash val="solid"/>
+                </a:ln>
+                <a:solidFill>
+                  <a:schemeClr val="accent1">
+                    <a:satMod val="200000"/>
+                    <a:tint val="3000"/>
+                  </a:schemeClr>
+                </a:solidFill>
                 <a:effectLst>
-                  <a:outerShdw blurRad="80000" dist="40000" dir="5040000" algn="tl">
-                    <a:srgbClr val="000000">
-                      <a:alpha val="30000"/>
-                    </a:srgbClr>
-                  </a:outerShdw>
+                  <a:innerShdw blurRad="101600" dist="76200" dir="5400000">
+                    <a:schemeClr val="accent1">
+                      <a:satMod val="190000"/>
+                      <a:tint val="100000"/>
+                      <a:alpha val="74000"/>
+                    </a:schemeClr>
+                  </a:innerShdw>
                 </a:effectLst>
               </a:rPr>
               <a:t>Согласитесь с истиной простой,</a:t>
@@ -3209,136 +3179,116 @@
             <a:pPr algn="ctr"/>
             <a:r>
               <a:rPr lang="ru-RU" sz="3200" b="1" i="1" dirty="0">
-                <a:ln w="11430"/>
-                <a:gradFill>
-                  <a:gsLst>
-                    <a:gs pos="0">
-                      <a:schemeClr val="accent6">
-                        <a:tint val="90000"/>
-                        <a:satMod val="120000"/>
-                      </a:schemeClr>
-                    </a:gs>
-                    <a:gs pos="25000">
-                      <a:schemeClr val="accent6">
-                        <a:tint val="93000"/>
-                        <a:satMod val="120000"/>
-                      </a:schemeClr>
-                    </a:gs>
-                    <a:gs pos="50000">
-                      <a:schemeClr val="accent6">
-                        <a:shade val="89000"/>
-                        <a:satMod val="110000"/>
-                      </a:schemeClr>
-                    </a:gs>
-                    <a:gs pos="75000">
-                      <a:schemeClr val="accent6">
-                        <a:tint val="93000"/>
-                        <a:satMod val="120000"/>
-                      </a:schemeClr>
-                    </a:gs>
-                    <a:gs pos="100000">
-                      <a:schemeClr val="accent6">
-                        <a:tint val="90000"/>
-                        <a:satMod val="120000"/>
-                      </a:schemeClr>
-                    </a:gs>
-                  </a:gsLst>
-                  <a:lin ang="5400000"/>
-                </a:gradFill>
+                <a:ln w="900" cmpd="sng">
+                  <a:solidFill>
+                    <a:schemeClr val="accent1">
+                      <a:satMod val="190000"/>
+                      <a:alpha val="55000"/>
+                    </a:schemeClr>
+                  </a:solidFill>
+                  <a:prstDash val="solid"/>
+                </a:ln>
+                <a:solidFill>
+                  <a:schemeClr val="accent1">
+                    <a:satMod val="200000"/>
+                    <a:tint val="3000"/>
+                  </a:schemeClr>
+                </a:solidFill>
                 <a:effectLst>
-                  <a:outerShdw blurRad="80000" dist="40000" dir="5040000" algn="tl">
-                    <a:srgbClr val="000000">
-                      <a:alpha val="30000"/>
-                    </a:srgbClr>
-                  </a:outerShdw>
+                  <a:innerShdw blurRad="101600" dist="76200" dir="5400000">
+                    <a:schemeClr val="accent1">
+                      <a:satMod val="190000"/>
+                      <a:tint val="100000"/>
+                      <a:alpha val="74000"/>
+                    </a:schemeClr>
+                  </a:innerShdw>
                 </a:effectLst>
               </a:rPr>
-              <a:t>ни одним поэтом не воспетой, —</a:t>
-            </a:r>
-          </a:p>
-        </p:txBody>
-      </p:sp>
-      <p:sp>
-        <p:nvSpPr>
-          <p:cNvPr id="6" name="Прямоугольник 5"/>
-          <p:cNvSpPr/>
-          <p:nvPr/>
-        </p:nvSpPr>
-        <p:spPr>
-          <a:xfrm rot="364340">
-            <a:off x="796056" y="5087646"/>
-            <a:ext cx="5880136" cy="1077218"/>
-          </a:xfrm>
-          <a:prstGeom prst="rect">
-            <a:avLst/>
-          </a:prstGeom>
-          <a:noFill/>
-        </p:spPr>
-        <p:txBody>
-          <a:bodyPr wrap="none" lIns="91440" tIns="45720" rIns="91440" bIns="45720">
-            <a:spAutoFit/>
-            <a:scene3d>
-              <a:camera prst="orthographicFront"/>
-              <a:lightRig rig="glow" dir="tl">
-                <a:rot lat="0" lon="0" rev="5400000"/>
-              </a:lightRig>
-            </a:scene3d>
-            <a:sp3d contourW="12700">
-              <a:bevelT w="25400" h="25400"/>
-              <a:contourClr>
-                <a:schemeClr val="accent6">
-                  <a:shade val="73000"/>
+              <a:t>ни одним поэтом не воспетой, </a:t>
+            </a:r>
+            <a:r>
+              <a:rPr lang="ru-RU" sz="3200" b="1" i="1" dirty="0" smtClean="0">
+                <a:ln w="900" cmpd="sng">
+                  <a:solidFill>
+                    <a:schemeClr val="accent1">
+                      <a:satMod val="190000"/>
+                      <a:alpha val="55000"/>
+                    </a:schemeClr>
+                  </a:solidFill>
+                  <a:prstDash val="solid"/>
+                </a:ln>
+                <a:solidFill>
+                  <a:schemeClr val="accent1">
+                    <a:satMod val="200000"/>
+                    <a:tint val="3000"/>
+                  </a:schemeClr>
+                </a:solidFill>
+                <a:effectLst>
+                  <a:innerShdw blurRad="101600" dist="76200" dir="5400000">
+                    <a:schemeClr val="accent1">
+                      <a:satMod val="190000"/>
+                      <a:tint val="100000"/>
+                      <a:alpha val="74000"/>
+                    </a:schemeClr>
+                  </a:innerShdw>
+                </a:effectLst>
+              </a:rPr>
+              <a:t>—</a:t>
+            </a:r>
+            <a:endParaRPr lang="en-US" sz="3200" b="1" i="1" dirty="0" smtClean="0">
+              <a:ln w="900" cmpd="sng">
+                <a:solidFill>
+                  <a:schemeClr val="accent1">
+                    <a:satMod val="190000"/>
+                    <a:alpha val="55000"/>
+                  </a:schemeClr>
+                </a:solidFill>
+                <a:prstDash val="solid"/>
+              </a:ln>
+              <a:solidFill>
+                <a:schemeClr val="accent1">
+                  <a:satMod val="200000"/>
+                  <a:tint val="3000"/>
                 </a:schemeClr>
-              </a:contourClr>
-            </a:sp3d>
-          </a:bodyPr>
-          <a:lstStyle/>
+              </a:solidFill>
+              <a:effectLst>
+                <a:innerShdw blurRad="101600" dist="76200" dir="5400000">
+                  <a:schemeClr val="accent1">
+                    <a:satMod val="190000"/>
+                    <a:tint val="100000"/>
+                    <a:alpha val="74000"/>
+                  </a:schemeClr>
+                </a:innerShdw>
+              </a:effectLst>
+            </a:endParaRPr>
+          </a:p>
           <a:p>
             <a:pPr algn="ctr"/>
             <a:r>
               <a:rPr lang="ru-RU" sz="3200" b="1" i="1" dirty="0">
-                <a:ln w="11430"/>
-                <a:gradFill>
-                  <a:gsLst>
-                    <a:gs pos="0">
-                      <a:schemeClr val="accent6">
-                        <a:tint val="90000"/>
-                        <a:satMod val="120000"/>
-                      </a:schemeClr>
-                    </a:gs>
-                    <a:gs pos="25000">
-                      <a:schemeClr val="accent6">
-                        <a:tint val="93000"/>
-                        <a:satMod val="120000"/>
-                      </a:schemeClr>
-                    </a:gs>
-                    <a:gs pos="50000">
-                      <a:schemeClr val="accent6">
-                        <a:shade val="89000"/>
-                        <a:satMod val="110000"/>
-                      </a:schemeClr>
-                    </a:gs>
-                    <a:gs pos="75000">
-                      <a:schemeClr val="accent6">
-                        <a:tint val="93000"/>
-                        <a:satMod val="120000"/>
-                      </a:schemeClr>
-                    </a:gs>
-                    <a:gs pos="100000">
-                      <a:schemeClr val="accent6">
-                        <a:tint val="90000"/>
-                        <a:satMod val="120000"/>
-                      </a:schemeClr>
-                    </a:gs>
-                  </a:gsLst>
-                  <a:lin ang="5400000"/>
-                </a:gradFill>
+                <a:ln w="900" cmpd="sng">
+                  <a:solidFill>
+                    <a:schemeClr val="accent1">
+                      <a:satMod val="190000"/>
+                      <a:alpha val="55000"/>
+                    </a:schemeClr>
+                  </a:solidFill>
+                  <a:prstDash val="solid"/>
+                </a:ln>
+                <a:solidFill>
+                  <a:schemeClr val="accent1">
+                    <a:satMod val="200000"/>
+                    <a:tint val="3000"/>
+                  </a:schemeClr>
+                </a:solidFill>
                 <a:effectLst>
-                  <a:outerShdw blurRad="80000" dist="40000" dir="5040000" algn="tl">
-                    <a:srgbClr val="000000">
-                      <a:alpha val="30000"/>
-                    </a:srgbClr>
-                  </a:outerShdw>
+                  <a:innerShdw blurRad="101600" dist="76200" dir="5400000">
+                    <a:schemeClr val="accent1">
+                      <a:satMod val="190000"/>
+                      <a:tint val="100000"/>
+                      <a:alpha val="74000"/>
+                    </a:schemeClr>
+                  </a:innerShdw>
                 </a:effectLst>
               </a:rPr>
               <a:t>энергетик нужен, как никто,</a:t>
@@ -3348,52 +3298,88 @@
             <a:pPr algn="ctr"/>
             <a:r>
               <a:rPr lang="ru-RU" sz="3200" b="1" i="1" dirty="0">
-                <a:ln w="11430"/>
-                <a:gradFill>
-                  <a:gsLst>
-                    <a:gs pos="0">
-                      <a:schemeClr val="accent6">
-                        <a:tint val="90000"/>
-                        <a:satMod val="120000"/>
-                      </a:schemeClr>
-                    </a:gs>
-                    <a:gs pos="25000">
-                      <a:schemeClr val="accent6">
-                        <a:tint val="93000"/>
-                        <a:satMod val="120000"/>
-                      </a:schemeClr>
-                    </a:gs>
-                    <a:gs pos="50000">
-                      <a:schemeClr val="accent6">
-                        <a:shade val="89000"/>
-                        <a:satMod val="110000"/>
-                      </a:schemeClr>
-                    </a:gs>
-                    <a:gs pos="75000">
-                      <a:schemeClr val="accent6">
-                        <a:tint val="93000"/>
-                        <a:satMod val="120000"/>
-                      </a:schemeClr>
-                    </a:gs>
-                    <a:gs pos="100000">
-                      <a:schemeClr val="accent6">
-                        <a:tint val="90000"/>
-                        <a:satMod val="120000"/>
-                      </a:schemeClr>
-                    </a:gs>
-                  </a:gsLst>
-                  <a:lin ang="5400000"/>
-                </a:gradFill>
+                <a:ln w="900" cmpd="sng">
+                  <a:solidFill>
+                    <a:schemeClr val="accent1">
+                      <a:satMod val="190000"/>
+                      <a:alpha val="55000"/>
+                    </a:schemeClr>
+                  </a:solidFill>
+                  <a:prstDash val="solid"/>
+                </a:ln>
+                <a:solidFill>
+                  <a:schemeClr val="accent1">
+                    <a:satMod val="200000"/>
+                    <a:tint val="3000"/>
+                  </a:schemeClr>
+                </a:solidFill>
                 <a:effectLst>
-                  <a:outerShdw blurRad="80000" dist="40000" dir="5040000" algn="tl">
-                    <a:srgbClr val="000000">
-                      <a:alpha val="30000"/>
-                    </a:srgbClr>
-                  </a:outerShdw>
+                  <a:innerShdw blurRad="101600" dist="76200" dir="5400000">
+                    <a:schemeClr val="accent1">
+                      <a:satMod val="190000"/>
+                      <a:tint val="100000"/>
+                      <a:alpha val="74000"/>
+                    </a:schemeClr>
+                  </a:innerShdw>
                 </a:effectLst>
               </a:rPr>
-              <a:t>ну куда мы без тепла и света?</a:t>
-            </a:r>
+              <a:t>ну куда мы без тепла и света</a:t>
+            </a:r>
+            <a:r>
+              <a:rPr lang="ru-RU" sz="3200" b="1" i="1" dirty="0" smtClean="0">
+                <a:ln w="900" cmpd="sng">
+                  <a:solidFill>
+                    <a:schemeClr val="accent1">
+                      <a:satMod val="190000"/>
+                      <a:alpha val="55000"/>
+                    </a:schemeClr>
+                  </a:solidFill>
+                  <a:prstDash val="solid"/>
+                </a:ln>
+                <a:solidFill>
+                  <a:schemeClr val="accent1">
+                    <a:satMod val="200000"/>
+                    <a:tint val="3000"/>
+                  </a:schemeClr>
+                </a:solidFill>
+                <a:effectLst>
+                  <a:innerShdw blurRad="101600" dist="76200" dir="5400000">
+                    <a:schemeClr val="accent1">
+                      <a:satMod val="190000"/>
+                      <a:tint val="100000"/>
+                      <a:alpha val="74000"/>
+                    </a:schemeClr>
+                  </a:innerShdw>
+                </a:effectLst>
+              </a:rPr>
+              <a:t>?</a:t>
+            </a:r>
+            <a:endParaRPr lang="ru-RU" sz="3200" b="1" i="1" dirty="0">
+              <a:ln w="900" cmpd="sng">
+                <a:solidFill>
+                  <a:schemeClr val="accent1">
+                    <a:satMod val="190000"/>
+                    <a:alpha val="55000"/>
+                  </a:schemeClr>
+                </a:solidFill>
+                <a:prstDash val="solid"/>
+              </a:ln>
+              <a:solidFill>
+                <a:schemeClr val="accent1">
+                  <a:satMod val="200000"/>
+                  <a:tint val="3000"/>
+                </a:schemeClr>
+              </a:solidFill>
+              <a:effectLst>
+                <a:innerShdw blurRad="101600" dist="76200" dir="5400000">
+                  <a:schemeClr val="accent1">
+                    <a:satMod val="190000"/>
+                    <a:tint val="100000"/>
+                    <a:alpha val="74000"/>
+                  </a:schemeClr>
+                </a:innerShdw>
+              </a:effectLst>
+            </a:endParaRPr>
           </a:p>
         </p:txBody>
       </p:sp>
@@ -3425,7 +3411,7 @@
                 </a14:imgProps>
               </a:ext>
               <a:ext uri="{28A0092B-C50C-407E-A947-70E740481C1C}">
-                <a14:useLocalDpi xmlns:a14="http://schemas.microsoft.com/office/drawing/2010/main" val="0"/>
+                <a14:useLocalDpi xmlns:a14="http://schemas.microsoft.com/office/drawing/2010/main"/>
               </a:ext>
             </a:extLst>
           </a:blip>
@@ -3599,7 +3585,7 @@
                                     </p:set>
                                     <p:anim calcmode="lin" valueType="num">
                                       <p:cBhvr>
-                                        <p:cTn id="9" dur="3000" fill="hold"/>
+                                        <p:cTn id="9" dur="4000" fill="hold"/>
                                         <p:tgtEl>
                                           <p:spTgt spid="4"/>
                                         </p:tgtEl>
@@ -3622,7 +3608,7 @@
                                     </p:anim>
                                     <p:anim calcmode="lin" valueType="num">
                                       <p:cBhvr>
-                                        <p:cTn id="10" dur="3000" fill="hold"/>
+                                        <p:cTn id="10" dur="4000" fill="hold"/>
                                         <p:tgtEl>
                                           <p:spTgt spid="4"/>
                                         </p:tgtEl>
@@ -3645,7 +3631,7 @@
                                     </p:anim>
                                     <p:anim calcmode="lin" valueType="num">
                                       <p:cBhvr>
-                                        <p:cTn id="11" dur="3000" fill="hold"/>
+                                        <p:cTn id="11" dur="4000" fill="hold"/>
                                         <p:tgtEl>
                                           <p:spTgt spid="4"/>
                                         </p:tgtEl>
@@ -3668,7 +3654,7 @@
                                     </p:anim>
                                     <p:animEffect transition="in" filter="fade">
                                       <p:cBhvr>
-                                        <p:cTn id="12" dur="3000"/>
+                                        <p:cTn id="12" dur="4000"/>
                                         <p:tgtEl>
                                           <p:spTgt spid="4"/>
                                         </p:tgtEl>
@@ -3678,9 +3664,9 @@
                                 </p:cTn>
                               </p:par>
                               <p:par>
-                                <p:cTn id="13" presetID="45" presetClass="entr" presetSubtype="0" fill="hold" nodeType="withEffect">
+                                <p:cTn id="13" presetID="53" presetClass="entr" presetSubtype="16" fill="hold" nodeType="withEffect">
                                   <p:stCondLst>
-                                    <p:cond delay="1000"/>
+                                    <p:cond delay="0"/>
                                   </p:stCondLst>
                                   <p:childTnLst>
                                     <p:set>
@@ -3701,92 +3687,11 @@
                                         <p:strVal val="visible"/>
                                       </p:to>
                                     </p:set>
-                                    <p:animEffect transition="in" filter="fade">
+                                    <p:anim calcmode="lin" valueType="num">
                                       <p:cBhvr>
-                                        <p:cTn id="15" dur="3000"/>
+                                        <p:cTn id="15" dur="3000" fill="hold"/>
                                         <p:tgtEl>
                                           <p:spTgt spid="1028"/>
-                                        </p:tgtEl>
-                                      </p:cBhvr>
-                                    </p:animEffect>
-                                    <p:anim calcmode="lin" valueType="num">
-                                      <p:cBhvr>
-                                        <p:cTn id="16" dur="3000" fill="hold"/>
-                                        <p:tgtEl>
-                                          <p:spTgt spid="1028"/>
-                                        </p:tgtEl>
-                                        <p:attrNameLst>
-                                          <p:attrName>ppt_w</p:attrName>
-                                        </p:attrNameLst>
-                                      </p:cBhvr>
-                                      <p:tavLst>
-                                        <p:tav tm="0" fmla="#ppt_w*sin(2.5*pi*$)">
-                                          <p:val>
-                                            <p:fltVal val="0"/>
-                                          </p:val>
-                                        </p:tav>
-                                        <p:tav tm="100000">
-                                          <p:val>
-                                            <p:fltVal val="1"/>
-                                          </p:val>
-                                        </p:tav>
-                                      </p:tavLst>
-                                    </p:anim>
-                                    <p:anim calcmode="lin" valueType="num">
-                                      <p:cBhvr>
-                                        <p:cTn id="17" dur="3000" fill="hold"/>
-                                        <p:tgtEl>
-                                          <p:spTgt spid="1028"/>
-                                        </p:tgtEl>
-                                        <p:attrNameLst>
-                                          <p:attrName>ppt_h</p:attrName>
-                                        </p:attrNameLst>
-                                      </p:cBhvr>
-                                      <p:tavLst>
-                                        <p:tav tm="0">
-                                          <p:val>
-                                            <p:strVal val="#ppt_h"/>
-                                          </p:val>
-                                        </p:tav>
-                                        <p:tav tm="100000">
-                                          <p:val>
-                                            <p:strVal val="#ppt_h"/>
-                                          </p:val>
-                                        </p:tav>
-                                      </p:tavLst>
-                                    </p:anim>
-                                  </p:childTnLst>
-                                </p:cTn>
-                              </p:par>
-                              <p:par>
-                                <p:cTn id="18" presetID="31" presetClass="entr" presetSubtype="0" fill="hold" grpId="0" nodeType="withEffect">
-                                  <p:stCondLst>
-                                    <p:cond delay="2000"/>
-                                  </p:stCondLst>
-                                  <p:childTnLst>
-                                    <p:set>
-                                      <p:cBhvr>
-                                        <p:cTn id="19" dur="1" fill="hold">
-                                          <p:stCondLst>
-                                            <p:cond delay="0"/>
-                                          </p:stCondLst>
-                                        </p:cTn>
-                                        <p:tgtEl>
-                                          <p:spTgt spid="6"/>
-                                        </p:tgtEl>
-                                        <p:attrNameLst>
-                                          <p:attrName>style.visibility</p:attrName>
-                                        </p:attrNameLst>
-                                      </p:cBhvr>
-                                      <p:to>
-                                        <p:strVal val="visible"/>
-                                      </p:to>
-                                    </p:set>
-                                    <p:anim calcmode="lin" valueType="num">
-                                      <p:cBhvr>
-                                        <p:cTn id="20" dur="3000" fill="hold"/>
-                                        <p:tgtEl>
-                                          <p:spTgt spid="6"/>
                                         </p:tgtEl>
                                         <p:attrNameLst>
                                           <p:attrName>ppt_w</p:attrName>
@@ -3807,9 +3712,9 @@
                                     </p:anim>
                                     <p:anim calcmode="lin" valueType="num">
                                       <p:cBhvr>
-                                        <p:cTn id="21" dur="3000" fill="hold"/>
+                                        <p:cTn id="16" dur="3000" fill="hold"/>
                                         <p:tgtEl>
-                                          <p:spTgt spid="6"/>
+                                          <p:spTgt spid="1028"/>
                                         </p:tgtEl>
                                         <p:attrNameLst>
                                           <p:attrName>ppt_h</p:attrName>
@@ -3828,34 +3733,11 @@
                                         </p:tav>
                                       </p:tavLst>
                                     </p:anim>
-                                    <p:anim calcmode="lin" valueType="num">
-                                      <p:cBhvr>
-                                        <p:cTn id="22" dur="3000" fill="hold"/>
-                                        <p:tgtEl>
-                                          <p:spTgt spid="6"/>
-                                        </p:tgtEl>
-                                        <p:attrNameLst>
-                                          <p:attrName>style.rotation</p:attrName>
-                                        </p:attrNameLst>
-                                      </p:cBhvr>
-                                      <p:tavLst>
-                                        <p:tav tm="0">
-                                          <p:val>
-                                            <p:fltVal val="90"/>
-                                          </p:val>
-                                        </p:tav>
-                                        <p:tav tm="100000">
-                                          <p:val>
-                                            <p:fltVal val="0"/>
-                                          </p:val>
-                                        </p:tav>
-                                      </p:tavLst>
-                                    </p:anim>
                                     <p:animEffect transition="in" filter="fade">
                                       <p:cBhvr>
-                                        <p:cTn id="23" dur="3000"/>
+                                        <p:cTn id="17" dur="3000"/>
                                         <p:tgtEl>
-                                          <p:spTgt spid="6"/>
+                                          <p:spTgt spid="1028"/>
                                         </p:tgtEl>
                                       </p:cBhvr>
                                     </p:animEffect>
@@ -3887,7 +3769,7 @@
             </p:seq>
             <p:audio>
               <p:cMediaNode vol="80000" numSld="999" showWhenStopped="0">
-                <p:cTn id="24" fill="hold" display="0">
+                <p:cTn id="18" fill="hold" display="0">
                   <p:stCondLst>
                     <p:cond delay="indefinite"/>
                   </p:stCondLst>
@@ -3910,7 +3792,6 @@
     </p:tnLst>
     <p:bldLst>
       <p:bldP spid="4" grpId="0"/>
-      <p:bldP spid="6" grpId="0"/>
     </p:bldLst>
   </p:timing>
   <p:extLst mod="1">
@@ -3952,7 +3833,7 @@
           <a:blip r:embed="rId2">
             <a:extLst>
               <a:ext uri="{28A0092B-C50C-407E-A947-70E740481C1C}">
-                <a14:useLocalDpi xmlns:a14="http://schemas.microsoft.com/office/drawing/2010/main" val="0"/>
+                <a14:useLocalDpi xmlns:a14="http://schemas.microsoft.com/office/drawing/2010/main"/>
               </a:ext>
             </a:extLst>
           </a:blip>
@@ -4007,9 +3888,9 @@
           <p:nvPr/>
         </p:nvSpPr>
         <p:spPr>
-          <a:xfrm rot="723305">
-            <a:off x="2198185" y="987379"/>
-            <a:ext cx="6894836" cy="1077218"/>
+          <a:xfrm rot="20616069">
+            <a:off x="12758" y="2128091"/>
+            <a:ext cx="6894836" cy="2062103"/>
           </a:xfrm>
           <a:prstGeom prst="rect">
             <a:avLst/>
@@ -4017,70 +3898,40 @@
           <a:noFill/>
         </p:spPr>
         <p:txBody>
-          <a:bodyPr wrap="none" lIns="91440" tIns="45720" rIns="91440" bIns="45720">
+          <a:bodyPr wrap="none" lIns="91440" tIns="45720" rIns="91440" bIns="45720" numCol="1">
+            <a:prstTxWarp prst="textCanDown">
+              <a:avLst/>
+            </a:prstTxWarp>
             <a:spAutoFit/>
-            <a:scene3d>
-              <a:camera prst="orthographicFront"/>
-              <a:lightRig rig="glow" dir="tl">
-                <a:rot lat="0" lon="0" rev="5400000"/>
-              </a:lightRig>
-            </a:scene3d>
-            <a:sp3d contourW="12700">
-              <a:bevelT w="25400" h="25400"/>
-              <a:contourClr>
-                <a:schemeClr val="accent6">
-                  <a:shade val="73000"/>
-                </a:schemeClr>
-              </a:contourClr>
-            </a:sp3d>
           </a:bodyPr>
           <a:lstStyle/>
           <a:p>
             <a:pPr algn="ctr"/>
             <a:r>
               <a:rPr lang="ru-RU" sz="3200" b="1" i="1" dirty="0">
-                <a:ln w="11430"/>
-                <a:gradFill>
-                  <a:gsLst>
-                    <a:gs pos="0">
-                      <a:schemeClr val="accent6">
-                        <a:tint val="90000"/>
-                        <a:satMod val="120000"/>
-                      </a:schemeClr>
-                    </a:gs>
-                    <a:gs pos="25000">
-                      <a:schemeClr val="accent6">
-                        <a:tint val="93000"/>
-                        <a:satMod val="120000"/>
-                      </a:schemeClr>
-                    </a:gs>
-                    <a:gs pos="50000">
-                      <a:schemeClr val="accent6">
-                        <a:shade val="89000"/>
-                        <a:satMod val="110000"/>
-                      </a:schemeClr>
-                    </a:gs>
-                    <a:gs pos="75000">
-                      <a:schemeClr val="accent6">
-                        <a:tint val="93000"/>
-                        <a:satMod val="120000"/>
-                      </a:schemeClr>
-                    </a:gs>
-                    <a:gs pos="100000">
-                      <a:schemeClr val="accent6">
-                        <a:tint val="90000"/>
-                        <a:satMod val="120000"/>
-                      </a:schemeClr>
-                    </a:gs>
-                  </a:gsLst>
-                  <a:lin ang="5400000"/>
-                </a:gradFill>
+                <a:ln w="900" cmpd="sng">
+                  <a:solidFill>
+                    <a:schemeClr val="accent1">
+                      <a:satMod val="190000"/>
+                      <a:alpha val="55000"/>
+                    </a:schemeClr>
+                  </a:solidFill>
+                  <a:prstDash val="solid"/>
+                </a:ln>
+                <a:solidFill>
+                  <a:schemeClr val="accent1">
+                    <a:satMod val="200000"/>
+                    <a:tint val="3000"/>
+                  </a:schemeClr>
+                </a:solidFill>
                 <a:effectLst>
-                  <a:outerShdw blurRad="80000" dist="40000" dir="5040000" algn="tl">
-                    <a:srgbClr val="000000">
-                      <a:alpha val="30000"/>
-                    </a:srgbClr>
-                  </a:outerShdw>
+                  <a:innerShdw blurRad="101600" dist="76200" dir="5400000">
+                    <a:schemeClr val="accent1">
+                      <a:satMod val="190000"/>
+                      <a:tint val="100000"/>
+                      <a:alpha val="74000"/>
+                    </a:schemeClr>
+                  </a:innerShdw>
                 </a:effectLst>
               </a:rPr>
               <a:t>Без работы фабрик и Машин,</a:t>
@@ -4090,136 +3941,87 @@
             <a:pPr algn="ctr"/>
             <a:r>
               <a:rPr lang="ru-RU" sz="3200" b="1" i="1" dirty="0">
-                <a:ln w="11430"/>
-                <a:gradFill>
-                  <a:gsLst>
-                    <a:gs pos="0">
-                      <a:schemeClr val="accent6">
-                        <a:tint val="90000"/>
-                        <a:satMod val="120000"/>
-                      </a:schemeClr>
-                    </a:gs>
-                    <a:gs pos="25000">
-                      <a:schemeClr val="accent6">
-                        <a:tint val="93000"/>
-                        <a:satMod val="120000"/>
-                      </a:schemeClr>
-                    </a:gs>
-                    <a:gs pos="50000">
-                      <a:schemeClr val="accent6">
-                        <a:shade val="89000"/>
-                        <a:satMod val="110000"/>
-                      </a:schemeClr>
-                    </a:gs>
-                    <a:gs pos="75000">
-                      <a:schemeClr val="accent6">
-                        <a:tint val="93000"/>
-                        <a:satMod val="120000"/>
-                      </a:schemeClr>
-                    </a:gs>
-                    <a:gs pos="100000">
-                      <a:schemeClr val="accent6">
-                        <a:tint val="90000"/>
-                        <a:satMod val="120000"/>
-                      </a:schemeClr>
-                    </a:gs>
-                  </a:gsLst>
-                  <a:lin ang="5400000"/>
-                </a:gradFill>
+                <a:ln w="900" cmpd="sng">
+                  <a:solidFill>
+                    <a:schemeClr val="accent1">
+                      <a:satMod val="190000"/>
+                      <a:alpha val="55000"/>
+                    </a:schemeClr>
+                  </a:solidFill>
+                  <a:prstDash val="solid"/>
+                </a:ln>
+                <a:solidFill>
+                  <a:schemeClr val="accent1">
+                    <a:satMod val="200000"/>
+                    <a:tint val="3000"/>
+                  </a:schemeClr>
+                </a:solidFill>
                 <a:effectLst>
-                  <a:outerShdw blurRad="80000" dist="40000" dir="5040000" algn="tl">
-                    <a:srgbClr val="000000">
-                      <a:alpha val="30000"/>
-                    </a:srgbClr>
-                  </a:outerShdw>
+                  <a:innerShdw blurRad="101600" dist="76200" dir="5400000">
+                    <a:schemeClr val="accent1">
+                      <a:satMod val="190000"/>
+                      <a:tint val="100000"/>
+                      <a:alpha val="74000"/>
+                    </a:schemeClr>
+                  </a:innerShdw>
                 </a:effectLst>
               </a:rPr>
               <a:t>институтов, здравниц и трамваев,</a:t>
             </a:r>
-          </a:p>
-        </p:txBody>
-      </p:sp>
-      <p:sp>
-        <p:nvSpPr>
-          <p:cNvPr id="6" name="Прямоугольник 5"/>
-          <p:cNvSpPr/>
-          <p:nvPr/>
-        </p:nvSpPr>
-        <p:spPr>
-          <a:xfrm rot="182999">
-            <a:off x="59710" y="5467369"/>
-            <a:ext cx="6274475" cy="1077218"/>
-          </a:xfrm>
-          <a:prstGeom prst="rect">
-            <a:avLst/>
-          </a:prstGeom>
-          <a:noFill/>
-        </p:spPr>
-        <p:txBody>
-          <a:bodyPr wrap="none" lIns="91440" tIns="45720" rIns="91440" bIns="45720">
-            <a:spAutoFit/>
-            <a:scene3d>
-              <a:camera prst="orthographicFront"/>
-              <a:lightRig rig="glow" dir="tl">
-                <a:rot lat="0" lon="0" rev="5400000"/>
-              </a:lightRig>
-            </a:scene3d>
-            <a:sp3d contourW="12700">
-              <a:bevelT w="25400" h="25400"/>
-              <a:contourClr>
-                <a:schemeClr val="accent6">
-                  <a:shade val="73000"/>
+            <a:endParaRPr lang="en-US" sz="3200" b="1" i="1" dirty="0">
+              <a:ln w="900" cmpd="sng">
+                <a:solidFill>
+                  <a:schemeClr val="accent1">
+                    <a:satMod val="190000"/>
+                    <a:alpha val="55000"/>
+                  </a:schemeClr>
+                </a:solidFill>
+                <a:prstDash val="solid"/>
+              </a:ln>
+              <a:solidFill>
+                <a:schemeClr val="accent1">
+                  <a:satMod val="200000"/>
+                  <a:tint val="3000"/>
                 </a:schemeClr>
-              </a:contourClr>
-            </a:sp3d>
-          </a:bodyPr>
-          <a:lstStyle/>
+              </a:solidFill>
+              <a:effectLst>
+                <a:innerShdw blurRad="101600" dist="76200" dir="5400000">
+                  <a:schemeClr val="accent1">
+                    <a:satMod val="190000"/>
+                    <a:tint val="100000"/>
+                    <a:alpha val="74000"/>
+                  </a:schemeClr>
+                </a:innerShdw>
+              </a:effectLst>
+            </a:endParaRPr>
+          </a:p>
           <a:p>
             <a:pPr algn="ctr"/>
             <a:r>
               <a:rPr lang="ru-RU" sz="3200" b="1" i="1" dirty="0">
-                <a:ln w="11430"/>
-                <a:gradFill>
-                  <a:gsLst>
-                    <a:gs pos="0">
-                      <a:schemeClr val="accent6">
-                        <a:tint val="90000"/>
-                        <a:satMod val="120000"/>
-                      </a:schemeClr>
-                    </a:gs>
-                    <a:gs pos="25000">
-                      <a:schemeClr val="accent6">
-                        <a:tint val="93000"/>
-                        <a:satMod val="120000"/>
-                      </a:schemeClr>
-                    </a:gs>
-                    <a:gs pos="50000">
-                      <a:schemeClr val="accent6">
-                        <a:shade val="89000"/>
-                        <a:satMod val="110000"/>
-                      </a:schemeClr>
-                    </a:gs>
-                    <a:gs pos="75000">
-                      <a:schemeClr val="accent6">
-                        <a:tint val="93000"/>
-                        <a:satMod val="120000"/>
-                      </a:schemeClr>
-                    </a:gs>
-                    <a:gs pos="100000">
-                      <a:schemeClr val="accent6">
-                        <a:tint val="90000"/>
-                        <a:satMod val="120000"/>
-                      </a:schemeClr>
-                    </a:gs>
-                  </a:gsLst>
-                  <a:lin ang="5400000"/>
-                </a:gradFill>
+                <a:ln w="900" cmpd="sng">
+                  <a:solidFill>
+                    <a:schemeClr val="accent1">
+                      <a:satMod val="190000"/>
+                      <a:alpha val="55000"/>
+                    </a:schemeClr>
+                  </a:solidFill>
+                  <a:prstDash val="solid"/>
+                </a:ln>
+                <a:solidFill>
+                  <a:schemeClr val="accent1">
+                    <a:satMod val="200000"/>
+                    <a:tint val="3000"/>
+                  </a:schemeClr>
+                </a:solidFill>
                 <a:effectLst>
-                  <a:outerShdw blurRad="80000" dist="40000" dir="5040000" algn="tl">
-                    <a:srgbClr val="000000">
-                      <a:alpha val="30000"/>
-                    </a:srgbClr>
-                  </a:outerShdw>
+                  <a:innerShdw blurRad="101600" dist="76200" dir="5400000">
+                    <a:schemeClr val="accent1">
+                      <a:satMod val="190000"/>
+                      <a:tint val="100000"/>
+                      <a:alpha val="74000"/>
+                    </a:schemeClr>
+                  </a:innerShdw>
                 </a:effectLst>
               </a:rPr>
               <a:t>без всего, что завтра совершим,</a:t>
@@ -4229,48 +4031,29 @@
             <a:pPr algn="ctr"/>
             <a:r>
               <a:rPr lang="ru-RU" sz="3200" b="1" i="1" dirty="0">
-                <a:ln w="11430"/>
-                <a:gradFill>
-                  <a:gsLst>
-                    <a:gs pos="0">
-                      <a:schemeClr val="accent6">
-                        <a:tint val="90000"/>
-                        <a:satMod val="120000"/>
-                      </a:schemeClr>
-                    </a:gs>
-                    <a:gs pos="25000">
-                      <a:schemeClr val="accent6">
-                        <a:tint val="93000"/>
-                        <a:satMod val="120000"/>
-                      </a:schemeClr>
-                    </a:gs>
-                    <a:gs pos="50000">
-                      <a:schemeClr val="accent6">
-                        <a:shade val="89000"/>
-                        <a:satMod val="110000"/>
-                      </a:schemeClr>
-                    </a:gs>
-                    <a:gs pos="75000">
-                      <a:schemeClr val="accent6">
-                        <a:tint val="93000"/>
-                        <a:satMod val="120000"/>
-                      </a:schemeClr>
-                    </a:gs>
-                    <a:gs pos="100000">
-                      <a:schemeClr val="accent6">
-                        <a:tint val="90000"/>
-                        <a:satMod val="120000"/>
-                      </a:schemeClr>
-                    </a:gs>
-                  </a:gsLst>
-                  <a:lin ang="5400000"/>
-                </a:gradFill>
+                <a:ln w="900" cmpd="sng">
+                  <a:solidFill>
+                    <a:schemeClr val="accent1">
+                      <a:satMod val="190000"/>
+                      <a:alpha val="55000"/>
+                    </a:schemeClr>
+                  </a:solidFill>
+                  <a:prstDash val="solid"/>
+                </a:ln>
+                <a:solidFill>
+                  <a:schemeClr val="accent1">
+                    <a:satMod val="200000"/>
+                    <a:tint val="3000"/>
+                  </a:schemeClr>
+                </a:solidFill>
                 <a:effectLst>
-                  <a:outerShdw blurRad="80000" dist="40000" dir="5040000" algn="tl">
-                    <a:srgbClr val="000000">
-                      <a:alpha val="30000"/>
-                    </a:srgbClr>
-                  </a:outerShdw>
+                  <a:innerShdw blurRad="101600" dist="76200" dir="5400000">
+                    <a:schemeClr val="accent1">
+                      <a:satMod val="190000"/>
+                      <a:tint val="100000"/>
+                      <a:alpha val="74000"/>
+                    </a:schemeClr>
+                  </a:innerShdw>
                 </a:effectLst>
               </a:rPr>
               <a:t>если нет энергии — не знаем!</a:t>
@@ -4297,7 +4080,7 @@
             </a:duotone>
             <a:extLst>
               <a:ext uri="{28A0092B-C50C-407E-A947-70E740481C1C}">
-                <a14:useLocalDpi xmlns:a14="http://schemas.microsoft.com/office/drawing/2010/main" val="0"/>
+                <a14:useLocalDpi xmlns:a14="http://schemas.microsoft.com/office/drawing/2010/main"/>
               </a:ext>
             </a:extLst>
           </a:blip>
@@ -4308,7 +4091,7 @@
         </p:blipFill>
         <p:spPr bwMode="auto">
           <a:xfrm rot="1874913">
-            <a:off x="5392622" y="3387303"/>
+            <a:off x="5176597" y="3387306"/>
             <a:ext cx="3810000" cy="2286000"/>
           </a:xfrm>
           <a:prstGeom prst="rect">
@@ -4418,7 +4201,7 @@
                                     </p:set>
                                     <p:animEffect transition="in" filter="barn(inVertical)">
                                       <p:cBhvr>
-                                        <p:cTn id="7" dur="3000"/>
+                                        <p:cTn id="7" dur="4000"/>
                                         <p:tgtEl>
                                           <p:spTgt spid="5"/>
                                         </p:tgtEl>
@@ -4462,41 +4245,6 @@
                                   </p:childTnLst>
                                 </p:cTn>
                               </p:par>
-                              <p:par>
-                                <p:cTn id="11" presetID="13" presetClass="entr" presetSubtype="16" fill="hold" grpId="1" nodeType="withEffect">
-                                  <p:stCondLst>
-                                    <p:cond delay="2000"/>
-                                  </p:stCondLst>
-                                  <p:childTnLst>
-                                    <p:set>
-                                      <p:cBhvr>
-                                        <p:cTn id="12" dur="1" fill="hold">
-                                          <p:stCondLst>
-                                            <p:cond delay="0"/>
-                                          </p:stCondLst>
-                                        </p:cTn>
-                                        <p:tgtEl>
-                                          <p:spTgt spid="6"/>
-                                        </p:tgtEl>
-                                        <p:attrNameLst>
-                                          <p:attrName>style.visibility</p:attrName>
-                                        </p:attrNameLst>
-                                      </p:cBhvr>
-                                      <p:to>
-                                        <p:strVal val="visible"/>
-                                      </p:to>
-                                    </p:set>
-                                    <p:animEffect transition="in" filter="plus(in)">
-                                      <p:cBhvr>
-                                        <p:cTn id="13" dur="3000"/>
-                                        <p:tgtEl>
-                                          <p:spTgt spid="6"/>
-                                        </p:tgtEl>
-                                      </p:cBhvr>
-                                    </p:animEffect>
-                                  </p:childTnLst>
-                                </p:cTn>
-                              </p:par>
                             </p:childTnLst>
                           </p:cTn>
                         </p:par>
@@ -4526,7 +4274,6 @@
     </p:tnLst>
     <p:bldLst>
       <p:bldP spid="5" grpId="0"/>
-      <p:bldP spid="6" grpId="1"/>
     </p:bldLst>
   </p:timing>
 </p:sld>
@@ -4561,7 +4308,7 @@
           <a:blip r:embed="rId2">
             <a:extLst>
               <a:ext uri="{28A0092B-C50C-407E-A947-70E740481C1C}">
-                <a14:useLocalDpi xmlns:a14="http://schemas.microsoft.com/office/drawing/2010/main" val="0"/>
+                <a14:useLocalDpi xmlns:a14="http://schemas.microsoft.com/office/drawing/2010/main"/>
               </a:ext>
             </a:extLst>
           </a:blip>
@@ -4620,9 +4367,9 @@
           <p:nvPr/>
         </p:nvSpPr>
         <p:spPr>
-          <a:xfrm rot="20913071">
-            <a:off x="285185" y="726399"/>
-            <a:ext cx="7362145" cy="1077218"/>
+          <a:xfrm rot="318732">
+            <a:off x="547191" y="4341440"/>
+            <a:ext cx="7362144" cy="2062103"/>
           </a:xfrm>
           <a:prstGeom prst="rect">
             <a:avLst/>
@@ -4630,70 +4377,40 @@
           <a:noFill/>
         </p:spPr>
         <p:txBody>
-          <a:bodyPr wrap="none" lIns="91440" tIns="45720" rIns="91440" bIns="45720">
+          <a:bodyPr wrap="none" lIns="91440" tIns="45720" rIns="91440" bIns="45720" numCol="1">
+            <a:prstTxWarp prst="textCanDown">
+              <a:avLst/>
+            </a:prstTxWarp>
             <a:spAutoFit/>
-            <a:scene3d>
-              <a:camera prst="orthographicFront"/>
-              <a:lightRig rig="glow" dir="tl">
-                <a:rot lat="0" lon="0" rev="5400000"/>
-              </a:lightRig>
-            </a:scene3d>
-            <a:sp3d contourW="12700">
-              <a:bevelT w="25400" h="25400"/>
-              <a:contourClr>
-                <a:schemeClr val="accent6">
-                  <a:shade val="73000"/>
-                </a:schemeClr>
-              </a:contourClr>
-            </a:sp3d>
           </a:bodyPr>
           <a:lstStyle/>
           <a:p>
             <a:pPr algn="ctr"/>
             <a:r>
               <a:rPr lang="ru-RU" sz="3200" b="1" i="1" dirty="0">
-                <a:ln w="11430"/>
-                <a:gradFill>
-                  <a:gsLst>
-                    <a:gs pos="0">
-                      <a:schemeClr val="accent6">
-                        <a:tint val="90000"/>
-                        <a:satMod val="120000"/>
-                      </a:schemeClr>
-                    </a:gs>
-                    <a:gs pos="25000">
-                      <a:schemeClr val="accent6">
-                        <a:tint val="93000"/>
-                        <a:satMod val="120000"/>
-                      </a:schemeClr>
-                    </a:gs>
-                    <a:gs pos="50000">
-                      <a:schemeClr val="accent6">
-                        <a:shade val="89000"/>
-                        <a:satMod val="110000"/>
-                      </a:schemeClr>
-                    </a:gs>
-                    <a:gs pos="75000">
-                      <a:schemeClr val="accent6">
-                        <a:tint val="93000"/>
-                        <a:satMod val="120000"/>
-                      </a:schemeClr>
-                    </a:gs>
-                    <a:gs pos="100000">
-                      <a:schemeClr val="accent6">
-                        <a:tint val="90000"/>
-                        <a:satMod val="120000"/>
-                      </a:schemeClr>
-                    </a:gs>
-                  </a:gsLst>
-                  <a:lin ang="5400000"/>
-                </a:gradFill>
+                <a:ln w="900" cmpd="sng">
+                  <a:solidFill>
+                    <a:schemeClr val="accent1">
+                      <a:satMod val="190000"/>
+                      <a:alpha val="55000"/>
+                    </a:schemeClr>
+                  </a:solidFill>
+                  <a:prstDash val="solid"/>
+                </a:ln>
+                <a:solidFill>
+                  <a:schemeClr val="accent1">
+                    <a:satMod val="200000"/>
+                    <a:tint val="3000"/>
+                  </a:schemeClr>
+                </a:solidFill>
                 <a:effectLst>
-                  <a:outerShdw blurRad="80000" dist="40000" dir="5040000" algn="tl">
-                    <a:srgbClr val="000000">
-                      <a:alpha val="30000"/>
-                    </a:srgbClr>
-                  </a:outerShdw>
+                  <a:innerShdw blurRad="101600" dist="76200" dir="5400000">
+                    <a:schemeClr val="accent1">
+                      <a:satMod val="190000"/>
+                      <a:tint val="100000"/>
+                      <a:alpha val="74000"/>
+                    </a:schemeClr>
+                  </a:innerShdw>
                 </a:effectLst>
               </a:rPr>
               <a:t>А она — как ключик золотой</a:t>
@@ -4703,136 +4420,87 @@
             <a:pPr algn="ctr"/>
             <a:r>
               <a:rPr lang="ru-RU" sz="3200" b="1" i="1" dirty="0">
-                <a:ln w="11430"/>
-                <a:gradFill>
-                  <a:gsLst>
-                    <a:gs pos="0">
-                      <a:schemeClr val="accent6">
-                        <a:tint val="90000"/>
-                        <a:satMod val="120000"/>
-                      </a:schemeClr>
-                    </a:gs>
-                    <a:gs pos="25000">
-                      <a:schemeClr val="accent6">
-                        <a:tint val="93000"/>
-                        <a:satMod val="120000"/>
-                      </a:schemeClr>
-                    </a:gs>
-                    <a:gs pos="50000">
-                      <a:schemeClr val="accent6">
-                        <a:shade val="89000"/>
-                        <a:satMod val="110000"/>
-                      </a:schemeClr>
-                    </a:gs>
-                    <a:gs pos="75000">
-                      <a:schemeClr val="accent6">
-                        <a:tint val="93000"/>
-                        <a:satMod val="120000"/>
-                      </a:schemeClr>
-                    </a:gs>
-                    <a:gs pos="100000">
-                      <a:schemeClr val="accent6">
-                        <a:tint val="90000"/>
-                        <a:satMod val="120000"/>
-                      </a:schemeClr>
-                    </a:gs>
-                  </a:gsLst>
-                  <a:lin ang="5400000"/>
-                </a:gradFill>
+                <a:ln w="900" cmpd="sng">
+                  <a:solidFill>
+                    <a:schemeClr val="accent1">
+                      <a:satMod val="190000"/>
+                      <a:alpha val="55000"/>
+                    </a:schemeClr>
+                  </a:solidFill>
+                  <a:prstDash val="solid"/>
+                </a:ln>
+                <a:solidFill>
+                  <a:schemeClr val="accent1">
+                    <a:satMod val="200000"/>
+                    <a:tint val="3000"/>
+                  </a:schemeClr>
+                </a:solidFill>
                 <a:effectLst>
-                  <a:outerShdw blurRad="80000" dist="40000" dir="5040000" algn="tl">
-                    <a:srgbClr val="000000">
-                      <a:alpha val="30000"/>
-                    </a:srgbClr>
-                  </a:outerShdw>
+                  <a:innerShdw blurRad="101600" dist="76200" dir="5400000">
+                    <a:schemeClr val="accent1">
+                      <a:satMod val="190000"/>
+                      <a:tint val="100000"/>
+                      <a:alpha val="74000"/>
+                    </a:schemeClr>
+                  </a:innerShdw>
                 </a:effectLst>
               </a:rPr>
               <a:t>к дверце, открывающей возможность</a:t>
             </a:r>
-          </a:p>
-        </p:txBody>
-      </p:sp>
-      <p:sp>
-        <p:nvSpPr>
-          <p:cNvPr id="6" name="Прямоугольник 5"/>
-          <p:cNvSpPr/>
-          <p:nvPr/>
-        </p:nvSpPr>
-        <p:spPr>
-          <a:xfrm rot="21053639">
-            <a:off x="2638259" y="5268807"/>
-            <a:ext cx="6645602" cy="1077218"/>
-          </a:xfrm>
-          <a:prstGeom prst="rect">
-            <a:avLst/>
-          </a:prstGeom>
-          <a:noFill/>
-        </p:spPr>
-        <p:txBody>
-          <a:bodyPr wrap="none" lIns="91440" tIns="45720" rIns="91440" bIns="45720">
-            <a:spAutoFit/>
-            <a:scene3d>
-              <a:camera prst="orthographicFront"/>
-              <a:lightRig rig="glow" dir="tl">
-                <a:rot lat="0" lon="0" rev="5400000"/>
-              </a:lightRig>
-            </a:scene3d>
-            <a:sp3d contourW="12700">
-              <a:bevelT w="25400" h="25400"/>
-              <a:contourClr>
-                <a:schemeClr val="accent6">
-                  <a:shade val="73000"/>
+            <a:endParaRPr lang="en-US" sz="3200" b="1" i="1" dirty="0">
+              <a:ln w="900" cmpd="sng">
+                <a:solidFill>
+                  <a:schemeClr val="accent1">
+                    <a:satMod val="190000"/>
+                    <a:alpha val="55000"/>
+                  </a:schemeClr>
+                </a:solidFill>
+                <a:prstDash val="solid"/>
+              </a:ln>
+              <a:solidFill>
+                <a:schemeClr val="accent1">
+                  <a:satMod val="200000"/>
+                  <a:tint val="3000"/>
                 </a:schemeClr>
-              </a:contourClr>
-            </a:sp3d>
-          </a:bodyPr>
-          <a:lstStyle/>
+              </a:solidFill>
+              <a:effectLst>
+                <a:innerShdw blurRad="101600" dist="76200" dir="5400000">
+                  <a:schemeClr val="accent1">
+                    <a:satMod val="190000"/>
+                    <a:tint val="100000"/>
+                    <a:alpha val="74000"/>
+                  </a:schemeClr>
+                </a:innerShdw>
+              </a:effectLst>
+            </a:endParaRPr>
+          </a:p>
           <a:p>
             <a:pPr algn="ctr"/>
             <a:r>
               <a:rPr lang="ru-RU" sz="3200" b="1" i="1" dirty="0">
-                <a:ln w="11430"/>
-                <a:gradFill>
-                  <a:gsLst>
-                    <a:gs pos="0">
-                      <a:schemeClr val="accent6">
-                        <a:tint val="90000"/>
-                        <a:satMod val="120000"/>
-                      </a:schemeClr>
-                    </a:gs>
-                    <a:gs pos="25000">
-                      <a:schemeClr val="accent6">
-                        <a:tint val="93000"/>
-                        <a:satMod val="120000"/>
-                      </a:schemeClr>
-                    </a:gs>
-                    <a:gs pos="50000">
-                      <a:schemeClr val="accent6">
-                        <a:shade val="89000"/>
-                        <a:satMod val="110000"/>
-                      </a:schemeClr>
-                    </a:gs>
-                    <a:gs pos="75000">
-                      <a:schemeClr val="accent6">
-                        <a:tint val="93000"/>
-                        <a:satMod val="120000"/>
-                      </a:schemeClr>
-                    </a:gs>
-                    <a:gs pos="100000">
-                      <a:schemeClr val="accent6">
-                        <a:tint val="90000"/>
-                        <a:satMod val="120000"/>
-                      </a:schemeClr>
-                    </a:gs>
-                  </a:gsLst>
-                  <a:lin ang="5400000"/>
-                </a:gradFill>
+                <a:ln w="900" cmpd="sng">
+                  <a:solidFill>
+                    <a:schemeClr val="accent1">
+                      <a:satMod val="190000"/>
+                      <a:alpha val="55000"/>
+                    </a:schemeClr>
+                  </a:solidFill>
+                  <a:prstDash val="solid"/>
+                </a:ln>
+                <a:solidFill>
+                  <a:schemeClr val="accent1">
+                    <a:satMod val="200000"/>
+                    <a:tint val="3000"/>
+                  </a:schemeClr>
+                </a:solidFill>
                 <a:effectLst>
-                  <a:outerShdw blurRad="80000" dist="40000" dir="5040000" algn="tl">
-                    <a:srgbClr val="000000">
-                      <a:alpha val="30000"/>
-                    </a:srgbClr>
-                  </a:outerShdw>
+                  <a:innerShdw blurRad="101600" dist="76200" dir="5400000">
+                    <a:schemeClr val="accent1">
+                      <a:satMod val="190000"/>
+                      <a:tint val="100000"/>
+                      <a:alpha val="74000"/>
+                    </a:schemeClr>
+                  </a:innerShdw>
                 </a:effectLst>
               </a:rPr>
               <a:t>управлять конструкцией любой</a:t>
@@ -4842,48 +4510,29 @@
             <a:pPr algn="ctr"/>
             <a:r>
               <a:rPr lang="ru-RU" sz="3200" b="1" i="1" dirty="0">
-                <a:ln w="11430"/>
-                <a:gradFill>
-                  <a:gsLst>
-                    <a:gs pos="0">
-                      <a:schemeClr val="accent6">
-                        <a:tint val="90000"/>
-                        <a:satMod val="120000"/>
-                      </a:schemeClr>
-                    </a:gs>
-                    <a:gs pos="25000">
-                      <a:schemeClr val="accent6">
-                        <a:tint val="93000"/>
-                        <a:satMod val="120000"/>
-                      </a:schemeClr>
-                    </a:gs>
-                    <a:gs pos="50000">
-                      <a:schemeClr val="accent6">
-                        <a:shade val="89000"/>
-                        <a:satMod val="110000"/>
-                      </a:schemeClr>
-                    </a:gs>
-                    <a:gs pos="75000">
-                      <a:schemeClr val="accent6">
-                        <a:tint val="93000"/>
-                        <a:satMod val="120000"/>
-                      </a:schemeClr>
-                    </a:gs>
-                    <a:gs pos="100000">
-                      <a:schemeClr val="accent6">
-                        <a:tint val="90000"/>
-                        <a:satMod val="120000"/>
-                      </a:schemeClr>
-                    </a:gs>
-                  </a:gsLst>
-                  <a:lin ang="5400000"/>
-                </a:gradFill>
+                <a:ln w="900" cmpd="sng">
+                  <a:solidFill>
+                    <a:schemeClr val="accent1">
+                      <a:satMod val="190000"/>
+                      <a:alpha val="55000"/>
+                    </a:schemeClr>
+                  </a:solidFill>
+                  <a:prstDash val="solid"/>
+                </a:ln>
+                <a:solidFill>
+                  <a:schemeClr val="accent1">
+                    <a:satMod val="200000"/>
+                    <a:tint val="3000"/>
+                  </a:schemeClr>
+                </a:solidFill>
                 <a:effectLst>
-                  <a:outerShdw blurRad="80000" dist="40000" dir="5040000" algn="tl">
-                    <a:srgbClr val="000000">
-                      <a:alpha val="30000"/>
-                    </a:srgbClr>
-                  </a:outerShdw>
+                  <a:innerShdw blurRad="101600" dist="76200" dir="5400000">
+                    <a:schemeClr val="accent1">
+                      <a:satMod val="190000"/>
+                      <a:tint val="100000"/>
+                      <a:alpha val="74000"/>
+                    </a:schemeClr>
+                  </a:innerShdw>
                 </a:effectLst>
               </a:rPr>
               <a:t>и держать в руках ее надежность.</a:t>
@@ -4900,7 +4549,7 @@
           <p:nvPr/>
         </p:nvPicPr>
         <p:blipFill rotWithShape="1">
-          <a:blip r:embed="rId3">
+          <a:blip r:embed="rId3" cstate="email">
             <a:extLst>
               <a:ext uri="{BEBA8EAE-BF5A-486C-A8C5-ECC9F3942E4B}">
                 <a14:imgProps xmlns:a14="http://schemas.microsoft.com/office/drawing/2010/main">
@@ -4918,16 +4567,16 @@
                 </a14:imgProps>
               </a:ext>
               <a:ext uri="{28A0092B-C50C-407E-A947-70E740481C1C}">
-                <a14:useLocalDpi xmlns:a14="http://schemas.microsoft.com/office/drawing/2010/main" val="0"/>
+                <a14:useLocalDpi xmlns:a14="http://schemas.microsoft.com/office/drawing/2010/main"/>
               </a:ext>
             </a:extLst>
           </a:blip>
-          <a:srcRect l="17730" t="17219" r="19145"/>
+          <a:srcRect/>
           <a:stretch/>
         </p:blipFill>
         <p:spPr bwMode="auto">
           <a:xfrm rot="21102022">
-            <a:off x="938748" y="2659805"/>
+            <a:off x="362685" y="682469"/>
             <a:ext cx="2048607" cy="2686542"/>
           </a:xfrm>
           <a:prstGeom prst="rect">
@@ -5037,7 +4686,7 @@
                                     </p:set>
                                     <p:animEffect transition="in" filter="wipe(down)">
                                       <p:cBhvr>
-                                        <p:cTn id="7" dur="3000"/>
+                                        <p:cTn id="7" dur="4000"/>
                                         <p:tgtEl>
                                           <p:spTgt spid="5"/>
                                         </p:tgtEl>
@@ -5047,118 +4696,14 @@
                                 </p:cTn>
                               </p:par>
                               <p:par>
-                                <p:cTn id="8" presetID="31" presetClass="entr" presetSubtype="0" fill="hold" grpId="0" nodeType="withEffect">
-                                  <p:stCondLst>
-                                    <p:cond delay="1000"/>
-                                  </p:stCondLst>
-                                  <p:childTnLst>
-                                    <p:set>
-                                      <p:cBhvr>
-                                        <p:cTn id="9" dur="1" fill="hold">
-                                          <p:stCondLst>
-                                            <p:cond delay="0"/>
-                                          </p:stCondLst>
-                                        </p:cTn>
-                                        <p:tgtEl>
-                                          <p:spTgt spid="6"/>
-                                        </p:tgtEl>
-                                        <p:attrNameLst>
-                                          <p:attrName>style.visibility</p:attrName>
-                                        </p:attrNameLst>
-                                      </p:cBhvr>
-                                      <p:to>
-                                        <p:strVal val="visible"/>
-                                      </p:to>
-                                    </p:set>
-                                    <p:anim calcmode="lin" valueType="num">
-                                      <p:cBhvr>
-                                        <p:cTn id="10" dur="3000" fill="hold"/>
-                                        <p:tgtEl>
-                                          <p:spTgt spid="6"/>
-                                        </p:tgtEl>
-                                        <p:attrNameLst>
-                                          <p:attrName>ppt_w</p:attrName>
-                                        </p:attrNameLst>
-                                      </p:cBhvr>
-                                      <p:tavLst>
-                                        <p:tav tm="0">
-                                          <p:val>
-                                            <p:fltVal val="0"/>
-                                          </p:val>
-                                        </p:tav>
-                                        <p:tav tm="100000">
-                                          <p:val>
-                                            <p:strVal val="#ppt_w"/>
-                                          </p:val>
-                                        </p:tav>
-                                      </p:tavLst>
-                                    </p:anim>
-                                    <p:anim calcmode="lin" valueType="num">
-                                      <p:cBhvr>
-                                        <p:cTn id="11" dur="3000" fill="hold"/>
-                                        <p:tgtEl>
-                                          <p:spTgt spid="6"/>
-                                        </p:tgtEl>
-                                        <p:attrNameLst>
-                                          <p:attrName>ppt_h</p:attrName>
-                                        </p:attrNameLst>
-                                      </p:cBhvr>
-                                      <p:tavLst>
-                                        <p:tav tm="0">
-                                          <p:val>
-                                            <p:fltVal val="0"/>
-                                          </p:val>
-                                        </p:tav>
-                                        <p:tav tm="100000">
-                                          <p:val>
-                                            <p:strVal val="#ppt_h"/>
-                                          </p:val>
-                                        </p:tav>
-                                      </p:tavLst>
-                                    </p:anim>
-                                    <p:anim calcmode="lin" valueType="num">
-                                      <p:cBhvr>
-                                        <p:cTn id="12" dur="3000" fill="hold"/>
-                                        <p:tgtEl>
-                                          <p:spTgt spid="6"/>
-                                        </p:tgtEl>
-                                        <p:attrNameLst>
-                                          <p:attrName>style.rotation</p:attrName>
-                                        </p:attrNameLst>
-                                      </p:cBhvr>
-                                      <p:tavLst>
-                                        <p:tav tm="0">
-                                          <p:val>
-                                            <p:fltVal val="90"/>
-                                          </p:val>
-                                        </p:tav>
-                                        <p:tav tm="100000">
-                                          <p:val>
-                                            <p:fltVal val="0"/>
-                                          </p:val>
-                                        </p:tav>
-                                      </p:tavLst>
-                                    </p:anim>
-                                    <p:animEffect transition="in" filter="fade">
-                                      <p:cBhvr>
-                                        <p:cTn id="13" dur="3000"/>
-                                        <p:tgtEl>
-                                          <p:spTgt spid="6"/>
-                                        </p:tgtEl>
-                                      </p:cBhvr>
-                                    </p:animEffect>
-                                  </p:childTnLst>
-                                </p:cTn>
-                              </p:par>
-                              <p:par>
-                                <p:cTn id="14" presetID="21" presetClass="entr" presetSubtype="1" fill="hold" nodeType="withEffect">
+                                <p:cTn id="8" presetID="21" presetClass="entr" presetSubtype="1" fill="hold" nodeType="withEffect">
                                   <p:stCondLst>
                                     <p:cond delay="2000"/>
                                   </p:stCondLst>
                                   <p:childTnLst>
                                     <p:set>
                                       <p:cBhvr>
-                                        <p:cTn id="15" dur="1" fill="hold">
+                                        <p:cTn id="9" dur="1" fill="hold">
                                           <p:stCondLst>
                                             <p:cond delay="0"/>
                                           </p:stCondLst>
@@ -5176,7 +4721,7 @@
                                     </p:set>
                                     <p:animEffect transition="in" filter="wheel(1)">
                                       <p:cBhvr>
-                                        <p:cTn id="16" dur="3000"/>
+                                        <p:cTn id="10" dur="3000"/>
                                         <p:tgtEl>
                                           <p:spTgt spid="4100"/>
                                         </p:tgtEl>
@@ -5214,7 +4759,6 @@
     </p:tnLst>
     <p:bldLst>
       <p:bldP spid="5" grpId="0"/>
-      <p:bldP spid="6" grpId="0"/>
     </p:bldLst>
   </p:timing>
 </p:sld>
@@ -5256,7 +4800,7 @@
             </a:duotone>
             <a:extLst>
               <a:ext uri="{28A0092B-C50C-407E-A947-70E740481C1C}">
-                <a14:useLocalDpi xmlns:a14="http://schemas.microsoft.com/office/drawing/2010/main" val="0"/>
+                <a14:useLocalDpi xmlns:a14="http://schemas.microsoft.com/office/drawing/2010/main"/>
               </a:ext>
             </a:extLst>
           </a:blip>
@@ -5315,9 +4859,9 @@
           <p:nvPr/>
         </p:nvSpPr>
         <p:spPr>
-          <a:xfrm rot="821265">
-            <a:off x="637074" y="895685"/>
-            <a:ext cx="8690969" cy="1077218"/>
+          <a:xfrm rot="19766535">
+            <a:off x="892280" y="2830781"/>
+            <a:ext cx="8690969" cy="2062103"/>
           </a:xfrm>
           <a:prstGeom prst="rect">
             <a:avLst/>
@@ -5325,70 +4869,40 @@
           <a:noFill/>
         </p:spPr>
         <p:txBody>
-          <a:bodyPr wrap="none" lIns="91440" tIns="45720" rIns="91440" bIns="45720">
+          <a:bodyPr wrap="none" lIns="91440" tIns="45720" rIns="91440" bIns="45720" numCol="1">
+            <a:prstTxWarp prst="textCanDown">
+              <a:avLst/>
+            </a:prstTxWarp>
             <a:spAutoFit/>
-            <a:scene3d>
-              <a:camera prst="orthographicFront"/>
-              <a:lightRig rig="glow" dir="tl">
-                <a:rot lat="0" lon="0" rev="5400000"/>
-              </a:lightRig>
-            </a:scene3d>
-            <a:sp3d contourW="12700">
-              <a:bevelT w="25400" h="25400"/>
-              <a:contourClr>
-                <a:schemeClr val="accent6">
-                  <a:shade val="73000"/>
-                </a:schemeClr>
-              </a:contourClr>
-            </a:sp3d>
           </a:bodyPr>
           <a:lstStyle/>
           <a:p>
             <a:pPr algn="ctr"/>
             <a:r>
               <a:rPr lang="ru-RU" sz="3200" b="1" i="1" dirty="0">
-                <a:ln w="11430"/>
-                <a:gradFill>
-                  <a:gsLst>
-                    <a:gs pos="0">
-                      <a:schemeClr val="accent6">
-                        <a:tint val="90000"/>
-                        <a:satMod val="120000"/>
-                      </a:schemeClr>
-                    </a:gs>
-                    <a:gs pos="25000">
-                      <a:schemeClr val="accent6">
-                        <a:tint val="93000"/>
-                        <a:satMod val="120000"/>
-                      </a:schemeClr>
-                    </a:gs>
-                    <a:gs pos="50000">
-                      <a:schemeClr val="accent6">
-                        <a:shade val="89000"/>
-                        <a:satMod val="110000"/>
-                      </a:schemeClr>
-                    </a:gs>
-                    <a:gs pos="75000">
-                      <a:schemeClr val="accent6">
-                        <a:tint val="93000"/>
-                        <a:satMod val="120000"/>
-                      </a:schemeClr>
-                    </a:gs>
-                    <a:gs pos="100000">
-                      <a:schemeClr val="accent6">
-                        <a:tint val="90000"/>
-                        <a:satMod val="120000"/>
-                      </a:schemeClr>
-                    </a:gs>
-                  </a:gsLst>
-                  <a:lin ang="5400000"/>
-                </a:gradFill>
+                <a:ln w="900" cmpd="sng">
+                  <a:solidFill>
+                    <a:schemeClr val="accent1">
+                      <a:satMod val="190000"/>
+                      <a:alpha val="55000"/>
+                    </a:schemeClr>
+                  </a:solidFill>
+                  <a:prstDash val="solid"/>
+                </a:ln>
+                <a:solidFill>
+                  <a:schemeClr val="accent1">
+                    <a:satMod val="200000"/>
+                    <a:tint val="3000"/>
+                  </a:schemeClr>
+                </a:solidFill>
                 <a:effectLst>
-                  <a:outerShdw blurRad="80000" dist="40000" dir="5040000" algn="tl">
-                    <a:srgbClr val="000000">
-                      <a:alpha val="30000"/>
-                    </a:srgbClr>
-                  </a:outerShdw>
+                  <a:innerShdw blurRad="101600" dist="76200" dir="5400000">
+                    <a:schemeClr val="accent1">
+                      <a:satMod val="190000"/>
+                      <a:tint val="100000"/>
+                      <a:alpha val="74000"/>
+                    </a:schemeClr>
+                  </a:innerShdw>
                 </a:effectLst>
               </a:rPr>
               <a:t>Жизнь — движенье.</a:t>
@@ -5398,136 +4912,87 @@
             <a:pPr algn="ctr"/>
             <a:r>
               <a:rPr lang="ru-RU" sz="3200" b="1" i="1" dirty="0">
-                <a:ln w="11430"/>
-                <a:gradFill>
-                  <a:gsLst>
-                    <a:gs pos="0">
-                      <a:schemeClr val="accent6">
-                        <a:tint val="90000"/>
-                        <a:satMod val="120000"/>
-                      </a:schemeClr>
-                    </a:gs>
-                    <a:gs pos="25000">
-                      <a:schemeClr val="accent6">
-                        <a:tint val="93000"/>
-                        <a:satMod val="120000"/>
-                      </a:schemeClr>
-                    </a:gs>
-                    <a:gs pos="50000">
-                      <a:schemeClr val="accent6">
-                        <a:shade val="89000"/>
-                        <a:satMod val="110000"/>
-                      </a:schemeClr>
-                    </a:gs>
-                    <a:gs pos="75000">
-                      <a:schemeClr val="accent6">
-                        <a:tint val="93000"/>
-                        <a:satMod val="120000"/>
-                      </a:schemeClr>
-                    </a:gs>
-                    <a:gs pos="100000">
-                      <a:schemeClr val="accent6">
-                        <a:tint val="90000"/>
-                        <a:satMod val="120000"/>
-                      </a:schemeClr>
-                    </a:gs>
-                  </a:gsLst>
-                  <a:lin ang="5400000"/>
-                </a:gradFill>
+                <a:ln w="900" cmpd="sng">
+                  <a:solidFill>
+                    <a:schemeClr val="accent1">
+                      <a:satMod val="190000"/>
+                      <a:alpha val="55000"/>
+                    </a:schemeClr>
+                  </a:solidFill>
+                  <a:prstDash val="solid"/>
+                </a:ln>
+                <a:solidFill>
+                  <a:schemeClr val="accent1">
+                    <a:satMod val="200000"/>
+                    <a:tint val="3000"/>
+                  </a:schemeClr>
+                </a:solidFill>
                 <a:effectLst>
-                  <a:outerShdw blurRad="80000" dist="40000" dir="5040000" algn="tl">
-                    <a:srgbClr val="000000">
-                      <a:alpha val="30000"/>
-                    </a:srgbClr>
-                  </a:outerShdw>
+                  <a:innerShdw blurRad="101600" dist="76200" dir="5400000">
+                    <a:schemeClr val="accent1">
+                      <a:satMod val="190000"/>
+                      <a:tint val="100000"/>
+                      <a:alpha val="74000"/>
+                    </a:schemeClr>
+                  </a:innerShdw>
                 </a:effectLst>
               </a:rPr>
               <a:t>А движенья суть навсегда в энергии сокрыта.</a:t>
             </a:r>
-          </a:p>
-        </p:txBody>
-      </p:sp>
-      <p:sp>
-        <p:nvSpPr>
-          <p:cNvPr id="6" name="Прямоугольник 5"/>
-          <p:cNvSpPr/>
-          <p:nvPr/>
-        </p:nvSpPr>
-        <p:spPr>
-          <a:xfrm rot="21053639">
-            <a:off x="1993202" y="5224598"/>
-            <a:ext cx="7114448" cy="1077218"/>
-          </a:xfrm>
-          <a:prstGeom prst="rect">
-            <a:avLst/>
-          </a:prstGeom>
-          <a:noFill/>
-        </p:spPr>
-        <p:txBody>
-          <a:bodyPr wrap="none" lIns="91440" tIns="45720" rIns="91440" bIns="45720">
-            <a:spAutoFit/>
-            <a:scene3d>
-              <a:camera prst="orthographicFront"/>
-              <a:lightRig rig="glow" dir="tl">
-                <a:rot lat="0" lon="0" rev="5400000"/>
-              </a:lightRig>
-            </a:scene3d>
-            <a:sp3d contourW="12700">
-              <a:bevelT w="25400" h="25400"/>
-              <a:contourClr>
-                <a:schemeClr val="accent6">
-                  <a:shade val="73000"/>
+            <a:endParaRPr lang="en-US" sz="3200" b="1" i="1" dirty="0">
+              <a:ln w="900" cmpd="sng">
+                <a:solidFill>
+                  <a:schemeClr val="accent1">
+                    <a:satMod val="190000"/>
+                    <a:alpha val="55000"/>
+                  </a:schemeClr>
+                </a:solidFill>
+                <a:prstDash val="solid"/>
+              </a:ln>
+              <a:solidFill>
+                <a:schemeClr val="accent1">
+                  <a:satMod val="200000"/>
+                  <a:tint val="3000"/>
                 </a:schemeClr>
-              </a:contourClr>
-            </a:sp3d>
-          </a:bodyPr>
-          <a:lstStyle/>
+              </a:solidFill>
+              <a:effectLst>
+                <a:innerShdw blurRad="101600" dist="76200" dir="5400000">
+                  <a:schemeClr val="accent1">
+                    <a:satMod val="190000"/>
+                    <a:tint val="100000"/>
+                    <a:alpha val="74000"/>
+                  </a:schemeClr>
+                </a:innerShdw>
+              </a:effectLst>
+            </a:endParaRPr>
+          </a:p>
           <a:p>
             <a:pPr algn="ctr"/>
             <a:r>
               <a:rPr lang="ru-RU" sz="3200" b="1" i="1" dirty="0">
-                <a:ln w="11430"/>
-                <a:gradFill>
-                  <a:gsLst>
-                    <a:gs pos="0">
-                      <a:schemeClr val="accent6">
-                        <a:tint val="90000"/>
-                        <a:satMod val="120000"/>
-                      </a:schemeClr>
-                    </a:gs>
-                    <a:gs pos="25000">
-                      <a:schemeClr val="accent6">
-                        <a:tint val="93000"/>
-                        <a:satMod val="120000"/>
-                      </a:schemeClr>
-                    </a:gs>
-                    <a:gs pos="50000">
-                      <a:schemeClr val="accent6">
-                        <a:shade val="89000"/>
-                        <a:satMod val="110000"/>
-                      </a:schemeClr>
-                    </a:gs>
-                    <a:gs pos="75000">
-                      <a:schemeClr val="accent6">
-                        <a:tint val="93000"/>
-                        <a:satMod val="120000"/>
-                      </a:schemeClr>
-                    </a:gs>
-                    <a:gs pos="100000">
-                      <a:schemeClr val="accent6">
-                        <a:tint val="90000"/>
-                        <a:satMod val="120000"/>
-                      </a:schemeClr>
-                    </a:gs>
-                  </a:gsLst>
-                  <a:lin ang="5400000"/>
-                </a:gradFill>
+                <a:ln w="900" cmpd="sng">
+                  <a:solidFill>
+                    <a:schemeClr val="accent1">
+                      <a:satMod val="190000"/>
+                      <a:alpha val="55000"/>
+                    </a:schemeClr>
+                  </a:solidFill>
+                  <a:prstDash val="solid"/>
+                </a:ln>
+                <a:solidFill>
+                  <a:schemeClr val="accent1">
+                    <a:satMod val="200000"/>
+                    <a:tint val="3000"/>
+                  </a:schemeClr>
+                </a:solidFill>
                 <a:effectLst>
-                  <a:outerShdw blurRad="80000" dist="40000" dir="5040000" algn="tl">
-                    <a:srgbClr val="000000">
-                      <a:alpha val="30000"/>
-                    </a:srgbClr>
-                  </a:outerShdw>
+                  <a:innerShdw blurRad="101600" dist="76200" dir="5400000">
+                    <a:schemeClr val="accent1">
+                      <a:satMod val="190000"/>
+                      <a:tint val="100000"/>
+                      <a:alpha val="74000"/>
+                    </a:schemeClr>
+                  </a:innerShdw>
                 </a:effectLst>
               </a:rPr>
               <a:t>Пусть ничто не омрачит твой путь,</a:t>
@@ -5537,48 +5002,29 @@
             <a:pPr algn="ctr"/>
             <a:r>
               <a:rPr lang="ru-RU" sz="3200" b="1" i="1" dirty="0">
-                <a:ln w="11430"/>
-                <a:gradFill>
-                  <a:gsLst>
-                    <a:gs pos="0">
-                      <a:schemeClr val="accent6">
-                        <a:tint val="90000"/>
-                        <a:satMod val="120000"/>
-                      </a:schemeClr>
-                    </a:gs>
-                    <a:gs pos="25000">
-                      <a:schemeClr val="accent6">
-                        <a:tint val="93000"/>
-                        <a:satMod val="120000"/>
-                      </a:schemeClr>
-                    </a:gs>
-                    <a:gs pos="50000">
-                      <a:schemeClr val="accent6">
-                        <a:shade val="89000"/>
-                        <a:satMod val="110000"/>
-                      </a:schemeClr>
-                    </a:gs>
-                    <a:gs pos="75000">
-                      <a:schemeClr val="accent6">
-                        <a:tint val="93000"/>
-                        <a:satMod val="120000"/>
-                      </a:schemeClr>
-                    </a:gs>
-                    <a:gs pos="100000">
-                      <a:schemeClr val="accent6">
-                        <a:tint val="90000"/>
-                        <a:satMod val="120000"/>
-                      </a:schemeClr>
-                    </a:gs>
-                  </a:gsLst>
-                  <a:lin ang="5400000"/>
-                </a:gradFill>
+                <a:ln w="900" cmpd="sng">
+                  <a:solidFill>
+                    <a:schemeClr val="accent1">
+                      <a:satMod val="190000"/>
+                      <a:alpha val="55000"/>
+                    </a:schemeClr>
+                  </a:solidFill>
+                  <a:prstDash val="solid"/>
+                </a:ln>
+                <a:solidFill>
+                  <a:schemeClr val="accent1">
+                    <a:satMod val="200000"/>
+                    <a:tint val="3000"/>
+                  </a:schemeClr>
+                </a:solidFill>
                 <a:effectLst>
-                  <a:outerShdw blurRad="80000" dist="40000" dir="5040000" algn="tl">
-                    <a:srgbClr val="000000">
-                      <a:alpha val="30000"/>
-                    </a:srgbClr>
-                  </a:outerShdw>
+                  <a:innerShdw blurRad="101600" dist="76200" dir="5400000">
+                    <a:schemeClr val="accent1">
+                      <a:satMod val="190000"/>
+                      <a:tint val="100000"/>
+                      <a:alpha val="74000"/>
+                    </a:schemeClr>
+                  </a:innerShdw>
                 </a:effectLst>
               </a:rPr>
               <a:t>энергетик, друг наш деловитый.</a:t>
@@ -5595,7 +5041,7 @@
           <p:nvPr/>
         </p:nvPicPr>
         <p:blipFill>
-          <a:blip r:embed="rId3">
+          <a:blip r:embed="rId3" cstate="email">
             <a:duotone>
               <a:schemeClr val="accent1">
                 <a:shade val="45000"/>
@@ -5617,7 +5063,7 @@
                 </a14:imgProps>
               </a:ext>
               <a:ext uri="{28A0092B-C50C-407E-A947-70E740481C1C}">
-                <a14:useLocalDpi xmlns:a14="http://schemas.microsoft.com/office/drawing/2010/main" val="0"/>
+                <a14:useLocalDpi xmlns:a14="http://schemas.microsoft.com/office/drawing/2010/main"/>
               </a:ext>
             </a:extLst>
           </a:blip>
@@ -5628,7 +5074,7 @@
         </p:blipFill>
         <p:spPr bwMode="auto">
           <a:xfrm rot="21178214">
-            <a:off x="76988" y="1612600"/>
+            <a:off x="171707" y="582969"/>
             <a:ext cx="3111787" cy="3222675"/>
           </a:xfrm>
           <a:prstGeom prst="rect">
@@ -5738,7 +5184,7 @@
                                     </p:set>
                                     <p:animEffect transition="in" filter="dissolve">
                                       <p:cBhvr>
-                                        <p:cTn id="7" dur="3000"/>
+                                        <p:cTn id="7" dur="4000"/>
                                         <p:tgtEl>
                                           <p:spTgt spid="5"/>
                                         </p:tgtEl>
@@ -5851,41 +5297,6 @@
                                   </p:childTnLst>
                                 </p:cTn>
                               </p:par>
-                              <p:par>
-                                <p:cTn id="14" presetID="6" presetClass="entr" presetSubtype="16" fill="hold" grpId="0" nodeType="withEffect">
-                                  <p:stCondLst>
-                                    <p:cond delay="2000"/>
-                                  </p:stCondLst>
-                                  <p:childTnLst>
-                                    <p:set>
-                                      <p:cBhvr>
-                                        <p:cTn id="15" dur="1" fill="hold">
-                                          <p:stCondLst>
-                                            <p:cond delay="0"/>
-                                          </p:stCondLst>
-                                        </p:cTn>
-                                        <p:tgtEl>
-                                          <p:spTgt spid="6"/>
-                                        </p:tgtEl>
-                                        <p:attrNameLst>
-                                          <p:attrName>style.visibility</p:attrName>
-                                        </p:attrNameLst>
-                                      </p:cBhvr>
-                                      <p:to>
-                                        <p:strVal val="visible"/>
-                                      </p:to>
-                                    </p:set>
-                                    <p:animEffect transition="in" filter="circle(in)">
-                                      <p:cBhvr>
-                                        <p:cTn id="16" dur="3000"/>
-                                        <p:tgtEl>
-                                          <p:spTgt spid="6"/>
-                                        </p:tgtEl>
-                                      </p:cBhvr>
-                                    </p:animEffect>
-                                  </p:childTnLst>
-                                </p:cTn>
-                              </p:par>
                             </p:childTnLst>
                           </p:cTn>
                         </p:par>
@@ -5915,7 +5326,6 @@
     </p:tnLst>
     <p:bldLst>
       <p:bldP spid="5" grpId="0"/>
-      <p:bldP spid="6" grpId="0"/>
     </p:bldLst>
   </p:timing>
 </p:sld>
@@ -5948,9 +5358,16 @@
         </p:nvPicPr>
         <p:blipFill>
           <a:blip r:embed="rId2">
+            <a:duotone>
+              <a:schemeClr val="accent1">
+                <a:shade val="45000"/>
+                <a:satMod val="135000"/>
+              </a:schemeClr>
+              <a:prstClr val="white"/>
+            </a:duotone>
             <a:extLst>
               <a:ext uri="{28A0092B-C50C-407E-A947-70E740481C1C}">
-                <a14:useLocalDpi xmlns:a14="http://schemas.microsoft.com/office/drawing/2010/main" val="0"/>
+                <a14:useLocalDpi xmlns:a14="http://schemas.microsoft.com/office/drawing/2010/main"/>
               </a:ext>
             </a:extLst>
           </a:blip>
@@ -6009,9 +5426,9 @@
           <p:nvPr/>
         </p:nvSpPr>
         <p:spPr>
-          <a:xfrm rot="21008212">
-            <a:off x="725094" y="895685"/>
-            <a:ext cx="6865276" cy="1077218"/>
+          <a:xfrm rot="1448182">
+            <a:off x="-131027" y="3650086"/>
+            <a:ext cx="6865277" cy="2062103"/>
           </a:xfrm>
           <a:prstGeom prst="rect">
             <a:avLst/>
@@ -6019,70 +5436,40 @@
           <a:noFill/>
         </p:spPr>
         <p:txBody>
-          <a:bodyPr wrap="none" lIns="91440" tIns="45720" rIns="91440" bIns="45720">
+          <a:bodyPr wrap="none" lIns="91440" tIns="45720" rIns="91440" bIns="45720" numCol="1">
+            <a:prstTxWarp prst="textCanDown">
+              <a:avLst/>
+            </a:prstTxWarp>
             <a:spAutoFit/>
-            <a:scene3d>
-              <a:camera prst="orthographicFront"/>
-              <a:lightRig rig="glow" dir="tl">
-                <a:rot lat="0" lon="0" rev="5400000"/>
-              </a:lightRig>
-            </a:scene3d>
-            <a:sp3d contourW="12700">
-              <a:bevelT w="25400" h="25400"/>
-              <a:contourClr>
-                <a:schemeClr val="accent6">
-                  <a:shade val="73000"/>
-                </a:schemeClr>
-              </a:contourClr>
-            </a:sp3d>
           </a:bodyPr>
           <a:lstStyle/>
           <a:p>
             <a:pPr algn="ctr"/>
             <a:r>
               <a:rPr lang="ru-RU" sz="3200" b="1" i="1" dirty="0">
-                <a:ln w="11430"/>
-                <a:gradFill>
-                  <a:gsLst>
-                    <a:gs pos="0">
-                      <a:schemeClr val="accent6">
-                        <a:tint val="90000"/>
-                        <a:satMod val="120000"/>
-                      </a:schemeClr>
-                    </a:gs>
-                    <a:gs pos="25000">
-                      <a:schemeClr val="accent6">
-                        <a:tint val="93000"/>
-                        <a:satMod val="120000"/>
-                      </a:schemeClr>
-                    </a:gs>
-                    <a:gs pos="50000">
-                      <a:schemeClr val="accent6">
-                        <a:shade val="89000"/>
-                        <a:satMod val="110000"/>
-                      </a:schemeClr>
-                    </a:gs>
-                    <a:gs pos="75000">
-                      <a:schemeClr val="accent6">
-                        <a:tint val="93000"/>
-                        <a:satMod val="120000"/>
-                      </a:schemeClr>
-                    </a:gs>
-                    <a:gs pos="100000">
-                      <a:schemeClr val="accent6">
-                        <a:tint val="90000"/>
-                        <a:satMod val="120000"/>
-                      </a:schemeClr>
-                    </a:gs>
-                  </a:gsLst>
-                  <a:lin ang="5400000"/>
-                </a:gradFill>
+                <a:ln w="900" cmpd="sng">
+                  <a:solidFill>
+                    <a:schemeClr val="accent1">
+                      <a:satMod val="190000"/>
+                      <a:alpha val="55000"/>
+                    </a:schemeClr>
+                  </a:solidFill>
+                  <a:prstDash val="solid"/>
+                </a:ln>
+                <a:solidFill>
+                  <a:schemeClr val="accent1">
+                    <a:satMod val="200000"/>
+                    <a:tint val="3000"/>
+                  </a:schemeClr>
+                </a:solidFill>
                 <a:effectLst>
-                  <a:outerShdw blurRad="80000" dist="40000" dir="5040000" algn="tl">
-                    <a:srgbClr val="000000">
-                      <a:alpha val="30000"/>
-                    </a:srgbClr>
-                  </a:outerShdw>
+                  <a:innerShdw blurRad="101600" dist="76200" dir="5400000">
+                    <a:schemeClr val="accent1">
+                      <a:satMod val="190000"/>
+                      <a:tint val="100000"/>
+                      <a:alpha val="74000"/>
+                    </a:schemeClr>
+                  </a:innerShdw>
                 </a:effectLst>
               </a:rPr>
               <a:t>Да не знать тебе невзгод и пут,</a:t>
@@ -6092,194 +5479,197 @@
             <a:pPr algn="ctr"/>
             <a:r>
               <a:rPr lang="ru-RU" sz="3200" b="1" i="1" dirty="0">
-                <a:ln w="11430"/>
-                <a:gradFill>
-                  <a:gsLst>
-                    <a:gs pos="0">
-                      <a:schemeClr val="accent6">
-                        <a:tint val="90000"/>
-                        <a:satMod val="120000"/>
-                      </a:schemeClr>
-                    </a:gs>
-                    <a:gs pos="25000">
-                      <a:schemeClr val="accent6">
-                        <a:tint val="93000"/>
-                        <a:satMod val="120000"/>
-                      </a:schemeClr>
-                    </a:gs>
-                    <a:gs pos="50000">
-                      <a:schemeClr val="accent6">
-                        <a:shade val="89000"/>
-                        <a:satMod val="110000"/>
-                      </a:schemeClr>
-                    </a:gs>
-                    <a:gs pos="75000">
-                      <a:schemeClr val="accent6">
-                        <a:tint val="93000"/>
-                        <a:satMod val="120000"/>
-                      </a:schemeClr>
-                    </a:gs>
-                    <a:gs pos="100000">
-                      <a:schemeClr val="accent6">
-                        <a:tint val="90000"/>
-                        <a:satMod val="120000"/>
-                      </a:schemeClr>
-                    </a:gs>
-                  </a:gsLst>
-                  <a:lin ang="5400000"/>
-                </a:gradFill>
+                <a:ln w="900" cmpd="sng">
+                  <a:solidFill>
+                    <a:schemeClr val="accent1">
+                      <a:satMod val="190000"/>
+                      <a:alpha val="55000"/>
+                    </a:schemeClr>
+                  </a:solidFill>
+                  <a:prstDash val="solid"/>
+                </a:ln>
+                <a:solidFill>
+                  <a:schemeClr val="accent1">
+                    <a:satMod val="200000"/>
+                    <a:tint val="3000"/>
+                  </a:schemeClr>
+                </a:solidFill>
                 <a:effectLst>
-                  <a:outerShdw blurRad="80000" dist="40000" dir="5040000" algn="tl">
-                    <a:srgbClr val="000000">
-                      <a:alpha val="30000"/>
-                    </a:srgbClr>
-                  </a:outerShdw>
+                  <a:innerShdw blurRad="101600" dist="76200" dir="5400000">
+                    <a:schemeClr val="accent1">
+                      <a:satMod val="190000"/>
+                      <a:tint val="100000"/>
+                      <a:alpha val="74000"/>
+                    </a:schemeClr>
+                  </a:innerShdw>
                 </a:effectLst>
               </a:rPr>
               <a:t>да творить с неутолимой жаждой!</a:t>
             </a:r>
+            <a:endParaRPr lang="en-US" sz="3200" b="1" i="1" dirty="0">
+              <a:ln w="900" cmpd="sng">
+                <a:solidFill>
+                  <a:schemeClr val="accent1">
+                    <a:satMod val="190000"/>
+                    <a:alpha val="55000"/>
+                  </a:schemeClr>
+                </a:solidFill>
+                <a:prstDash val="solid"/>
+              </a:ln>
+              <a:solidFill>
+                <a:schemeClr val="accent1">
+                  <a:satMod val="200000"/>
+                  <a:tint val="3000"/>
+                </a:schemeClr>
+              </a:solidFill>
+              <a:effectLst>
+                <a:innerShdw blurRad="101600" dist="76200" dir="5400000">
+                  <a:schemeClr val="accent1">
+                    <a:satMod val="190000"/>
+                    <a:tint val="100000"/>
+                    <a:alpha val="74000"/>
+                  </a:schemeClr>
+                </a:innerShdw>
+              </a:effectLst>
+            </a:endParaRPr>
+          </a:p>
+          <a:p>
+            <a:pPr algn="ctr"/>
+            <a:r>
+              <a:rPr lang="ru-RU" sz="3200" b="1" i="1" dirty="0">
+                <a:ln w="900" cmpd="sng">
+                  <a:solidFill>
+                    <a:schemeClr val="accent1">
+                      <a:satMod val="190000"/>
+                      <a:alpha val="55000"/>
+                    </a:schemeClr>
+                  </a:solidFill>
+                  <a:prstDash val="solid"/>
+                </a:ln>
+                <a:solidFill>
+                  <a:schemeClr val="accent1">
+                    <a:satMod val="200000"/>
+                    <a:tint val="3000"/>
+                  </a:schemeClr>
+                </a:solidFill>
+                <a:effectLst>
+                  <a:innerShdw blurRad="101600" dist="76200" dir="5400000">
+                    <a:schemeClr val="accent1">
+                      <a:satMod val="190000"/>
+                      <a:tint val="100000"/>
+                      <a:alpha val="74000"/>
+                    </a:schemeClr>
+                  </a:innerShdw>
+                </a:effectLst>
+              </a:rPr>
+              <a:t>И поклон тебе за славный труд</a:t>
+            </a:r>
+          </a:p>
+          <a:p>
+            <a:pPr algn="ctr"/>
+            <a:r>
+              <a:rPr lang="ru-RU" sz="3200" b="1" i="1" dirty="0">
+                <a:ln w="900" cmpd="sng">
+                  <a:solidFill>
+                    <a:schemeClr val="accent1">
+                      <a:satMod val="190000"/>
+                      <a:alpha val="55000"/>
+                    </a:schemeClr>
+                  </a:solidFill>
+                  <a:prstDash val="solid"/>
+                </a:ln>
+                <a:solidFill>
+                  <a:schemeClr val="accent1">
+                    <a:satMod val="200000"/>
+                    <a:tint val="3000"/>
+                  </a:schemeClr>
+                </a:solidFill>
+                <a:effectLst>
+                  <a:innerShdw blurRad="101600" dist="76200" dir="5400000">
+                    <a:schemeClr val="accent1">
+                      <a:satMod val="190000"/>
+                      <a:tint val="100000"/>
+                      <a:alpha val="74000"/>
+                    </a:schemeClr>
+                  </a:innerShdw>
+                </a:effectLst>
+              </a:rPr>
+              <a:t>для тебя и нас, конечно, важный. </a:t>
+            </a:r>
           </a:p>
         </p:txBody>
       </p:sp>
-      <p:sp>
-        <p:nvSpPr>
-          <p:cNvPr id="6" name="Прямоугольник 5"/>
-          <p:cNvSpPr/>
+      <p:pic>
+        <p:nvPicPr>
+          <p:cNvPr id="1026" name="Picture 2"/>
+          <p:cNvPicPr>
+            <a:picLocks noChangeAspect="1" noChangeArrowheads="1"/>
+          </p:cNvPicPr>
           <p:nvPr/>
-        </p:nvSpPr>
-        <p:spPr>
-          <a:xfrm rot="21053639">
-            <a:off x="2327428" y="5224598"/>
-            <a:ext cx="6445995" cy="1077218"/>
+        </p:nvPicPr>
+        <p:blipFill>
+          <a:blip r:embed="rId3" cstate="email">
+            <a:extLst>
+              <a:ext uri="{28A0092B-C50C-407E-A947-70E740481C1C}">
+                <a14:useLocalDpi xmlns:a14="http://schemas.microsoft.com/office/drawing/2010/main"/>
+              </a:ext>
+            </a:extLst>
+          </a:blip>
+          <a:srcRect/>
+          <a:stretch>
+            <a:fillRect/>
+          </a:stretch>
+        </p:blipFill>
+        <p:spPr bwMode="auto">
+          <a:xfrm rot="670002">
+            <a:off x="1987893" y="965322"/>
+            <a:ext cx="6825208" cy="2982616"/>
           </a:xfrm>
           <a:prstGeom prst="rect">
             <a:avLst/>
           </a:prstGeom>
           <a:noFill/>
-        </p:spPr>
-        <p:txBody>
-          <a:bodyPr wrap="none" lIns="91440" tIns="45720" rIns="91440" bIns="45720">
-            <a:spAutoFit/>
-            <a:scene3d>
-              <a:camera prst="orthographicFront"/>
-              <a:lightRig rig="glow" dir="tl">
-                <a:rot lat="0" lon="0" rev="5400000"/>
-              </a:lightRig>
-            </a:scene3d>
-            <a:sp3d contourW="12700">
-              <a:bevelT w="25400" h="25400"/>
-              <a:contourClr>
-                <a:schemeClr val="accent6">
-                  <a:shade val="73000"/>
-                </a:schemeClr>
-              </a:contourClr>
-            </a:sp3d>
-          </a:bodyPr>
-          <a:lstStyle/>
-          <a:p>
-            <a:pPr algn="ctr"/>
-            <a:r>
-              <a:rPr lang="ru-RU" sz="3200" b="1" i="1" dirty="0">
-                <a:ln w="11430"/>
-                <a:gradFill>
-                  <a:gsLst>
-                    <a:gs pos="0">
-                      <a:schemeClr val="accent6">
-                        <a:tint val="90000"/>
-                        <a:satMod val="120000"/>
-                      </a:schemeClr>
-                    </a:gs>
-                    <a:gs pos="25000">
-                      <a:schemeClr val="accent6">
-                        <a:tint val="93000"/>
-                        <a:satMod val="120000"/>
-                      </a:schemeClr>
-                    </a:gs>
-                    <a:gs pos="50000">
-                      <a:schemeClr val="accent6">
-                        <a:shade val="89000"/>
-                        <a:satMod val="110000"/>
-                      </a:schemeClr>
-                    </a:gs>
-                    <a:gs pos="75000">
-                      <a:schemeClr val="accent6">
-                        <a:tint val="93000"/>
-                        <a:satMod val="120000"/>
-                      </a:schemeClr>
-                    </a:gs>
-                    <a:gs pos="100000">
-                      <a:schemeClr val="accent6">
-                        <a:tint val="90000"/>
-                        <a:satMod val="120000"/>
-                      </a:schemeClr>
-                    </a:gs>
-                  </a:gsLst>
-                  <a:lin ang="5400000"/>
-                </a:gradFill>
+          <a:ln>
+            <a:noFill/>
+          </a:ln>
+          <a:effectLst/>
+          <a:scene3d>
+            <a:camera prst="perspectiveContrastingLeftFacing"/>
+            <a:lightRig rig="threePt" dir="t"/>
+          </a:scene3d>
+          <a:sp3d>
+            <a:bevelT w="114300" prst="artDeco"/>
+          </a:sp3d>
+          <a:extLst>
+            <a:ext uri="{909E8E84-426E-40DD-AFC4-6F175D3DCCD1}">
+              <a14:hiddenFill xmlns:a14="http://schemas.microsoft.com/office/drawing/2010/main">
+                <a:solidFill>
+                  <a:schemeClr val="accent1"/>
+                </a:solidFill>
+              </a14:hiddenFill>
+            </a:ext>
+            <a:ext uri="{91240B29-F687-4F45-9708-019B960494DF}">
+              <a14:hiddenLine xmlns:a14="http://schemas.microsoft.com/office/drawing/2010/main" w="9525">
+                <a:solidFill>
+                  <a:schemeClr val="tx1"/>
+                </a:solidFill>
+                <a:miter lim="800000"/>
+                <a:headEnd/>
+                <a:tailEnd/>
+              </a14:hiddenLine>
+            </a:ext>
+            <a:ext uri="{AF507438-7753-43E0-B8FC-AC1667EBCBE1}">
+              <a14:hiddenEffects xmlns:a14="http://schemas.microsoft.com/office/drawing/2010/main">
                 <a:effectLst>
-                  <a:outerShdw blurRad="80000" dist="40000" dir="5040000" algn="tl">
-                    <a:srgbClr val="000000">
-                      <a:alpha val="30000"/>
-                    </a:srgbClr>
+                  <a:outerShdw dist="35921" dir="2700000" algn="ctr" rotWithShape="0">
+                    <a:schemeClr val="bg2"/>
                   </a:outerShdw>
                 </a:effectLst>
-              </a:rPr>
-              <a:t>И поклон тебе за славный труд</a:t>
-            </a:r>
-          </a:p>
-          <a:p>
-            <a:pPr algn="ctr"/>
-            <a:r>
-              <a:rPr lang="ru-RU" sz="3200" b="1" i="1" dirty="0">
-                <a:ln w="11430"/>
-                <a:gradFill>
-                  <a:gsLst>
-                    <a:gs pos="0">
-                      <a:schemeClr val="accent6">
-                        <a:tint val="90000"/>
-                        <a:satMod val="120000"/>
-                      </a:schemeClr>
-                    </a:gs>
-                    <a:gs pos="25000">
-                      <a:schemeClr val="accent6">
-                        <a:tint val="93000"/>
-                        <a:satMod val="120000"/>
-                      </a:schemeClr>
-                    </a:gs>
-                    <a:gs pos="50000">
-                      <a:schemeClr val="accent6">
-                        <a:shade val="89000"/>
-                        <a:satMod val="110000"/>
-                      </a:schemeClr>
-                    </a:gs>
-                    <a:gs pos="75000">
-                      <a:schemeClr val="accent6">
-                        <a:tint val="93000"/>
-                        <a:satMod val="120000"/>
-                      </a:schemeClr>
-                    </a:gs>
-                    <a:gs pos="100000">
-                      <a:schemeClr val="accent6">
-                        <a:tint val="90000"/>
-                        <a:satMod val="120000"/>
-                      </a:schemeClr>
-                    </a:gs>
-                  </a:gsLst>
-                  <a:lin ang="5400000"/>
-                </a:gradFill>
-                <a:effectLst>
-                  <a:outerShdw blurRad="80000" dist="40000" dir="5040000" algn="tl">
-                    <a:srgbClr val="000000">
-                      <a:alpha val="30000"/>
-                    </a:srgbClr>
-                  </a:outerShdw>
-                </a:effectLst>
-              </a:rPr>
-              <a:t>для тебя и нас, конечно, важный. </a:t>
-            </a:r>
-          </a:p>
-        </p:txBody>
-      </p:sp>
+              </a14:hiddenEffects>
+            </a:ext>
+          </a:extLst>
+        </p:spPr>
+      </p:pic>
     </p:spTree>
     <p:extLst>
       <p:ext uri="{BB962C8B-B14F-4D97-AF65-F5344CB8AC3E}">
@@ -6342,7 +5732,7 @@
                                     </p:set>
                                     <p:anim calcmode="lin" valueType="num">
                                       <p:cBhvr additive="base">
-                                        <p:cTn id="7" dur="3000"/>
+                                        <p:cTn id="7" dur="4000"/>
                                         <p:tgtEl>
                                           <p:spTgt spid="5"/>
                                         </p:tgtEl>
@@ -6365,7 +5755,7 @@
                                     </p:anim>
                                     <p:animEffect transition="in" filter="wipe(up)">
                                       <p:cBhvr>
-                                        <p:cTn id="8" dur="3000"/>
+                                        <p:cTn id="8" dur="4000"/>
                                         <p:tgtEl>
                                           <p:spTgt spid="5"/>
                                         </p:tgtEl>
@@ -6375,7 +5765,7 @@
                                 </p:cTn>
                               </p:par>
                               <p:par>
-                                <p:cTn id="9" presetID="22" presetClass="entr" presetSubtype="4" fill="hold" grpId="0" nodeType="withEffect">
+                                <p:cTn id="9" presetID="21" presetClass="entr" presetSubtype="1" fill="hold" nodeType="withEffect">
                                   <p:stCondLst>
                                     <p:cond delay="1000"/>
                                   </p:stCondLst>
@@ -6388,7 +5778,7 @@
                                           </p:stCondLst>
                                         </p:cTn>
                                         <p:tgtEl>
-                                          <p:spTgt spid="6"/>
+                                          <p:spTgt spid="1026"/>
                                         </p:tgtEl>
                                         <p:attrNameLst>
                                           <p:attrName>style.visibility</p:attrName>
@@ -6398,11 +5788,11 @@
                                         <p:strVal val="visible"/>
                                       </p:to>
                                     </p:set>
-                                    <p:animEffect transition="in" filter="wipe(down)">
+                                    <p:animEffect transition="in" filter="wheel(1)">
                                       <p:cBhvr>
                                         <p:cTn id="11" dur="3000"/>
                                         <p:tgtEl>
-                                          <p:spTgt spid="6"/>
+                                          <p:spTgt spid="1026"/>
                                         </p:tgtEl>
                                       </p:cBhvr>
                                     </p:animEffect>
@@ -6438,7 +5828,6 @@
     </p:tnLst>
     <p:bldLst>
       <p:bldP spid="5" grpId="0"/>
-      <p:bldP spid="6" grpId="0"/>
     </p:bldLst>
   </p:timing>
 </p:sld>
@@ -6473,7 +5862,7 @@
           <a:blip r:embed="rId2">
             <a:extLst>
               <a:ext uri="{28A0092B-C50C-407E-A947-70E740481C1C}">
-                <a14:useLocalDpi xmlns:a14="http://schemas.microsoft.com/office/drawing/2010/main" val="0"/>
+                <a14:useLocalDpi xmlns:a14="http://schemas.microsoft.com/office/drawing/2010/main"/>
               </a:ext>
             </a:extLst>
           </a:blip>
@@ -6529,7 +5918,7 @@
         </p:nvSpPr>
         <p:spPr>
           <a:xfrm rot="1028153">
-            <a:off x="5075090" y="919732"/>
+            <a:off x="4968736" y="1999854"/>
             <a:ext cx="4073167" cy="584775"/>
           </a:xfrm>
           <a:prstGeom prst="rect">
@@ -6538,70 +5927,40 @@
           <a:noFill/>
         </p:spPr>
         <p:txBody>
-          <a:bodyPr wrap="none" lIns="91440" tIns="45720" rIns="91440" bIns="45720">
+          <a:bodyPr wrap="none" lIns="91440" tIns="45720" rIns="91440" bIns="45720" numCol="1">
+            <a:prstTxWarp prst="textCanDown">
+              <a:avLst/>
+            </a:prstTxWarp>
             <a:spAutoFit/>
-            <a:scene3d>
-              <a:camera prst="orthographicFront"/>
-              <a:lightRig rig="glow" dir="tl">
-                <a:rot lat="0" lon="0" rev="5400000"/>
-              </a:lightRig>
-            </a:scene3d>
-            <a:sp3d contourW="12700">
-              <a:bevelT w="25400" h="25400"/>
-              <a:contourClr>
-                <a:schemeClr val="accent6">
-                  <a:shade val="73000"/>
-                </a:schemeClr>
-              </a:contourClr>
-            </a:sp3d>
           </a:bodyPr>
           <a:lstStyle/>
           <a:p>
             <a:pPr algn="ctr"/>
             <a:r>
               <a:rPr lang="ru-RU" sz="3200" b="1" i="1" dirty="0">
-                <a:ln w="11430"/>
-                <a:gradFill>
-                  <a:gsLst>
-                    <a:gs pos="0">
-                      <a:schemeClr val="accent6">
-                        <a:tint val="90000"/>
-                        <a:satMod val="120000"/>
-                      </a:schemeClr>
-                    </a:gs>
-                    <a:gs pos="25000">
-                      <a:schemeClr val="accent6">
-                        <a:tint val="93000"/>
-                        <a:satMod val="120000"/>
-                      </a:schemeClr>
-                    </a:gs>
-                    <a:gs pos="50000">
-                      <a:schemeClr val="accent6">
-                        <a:shade val="89000"/>
-                        <a:satMod val="110000"/>
-                      </a:schemeClr>
-                    </a:gs>
-                    <a:gs pos="75000">
-                      <a:schemeClr val="accent6">
-                        <a:tint val="93000"/>
-                        <a:satMod val="120000"/>
-                      </a:schemeClr>
-                    </a:gs>
-                    <a:gs pos="100000">
-                      <a:schemeClr val="accent6">
-                        <a:tint val="90000"/>
-                        <a:satMod val="120000"/>
-                      </a:schemeClr>
-                    </a:gs>
-                  </a:gsLst>
-                  <a:lin ang="5400000"/>
-                </a:gradFill>
+                <a:ln w="900" cmpd="sng">
+                  <a:solidFill>
+                    <a:schemeClr val="accent1">
+                      <a:satMod val="190000"/>
+                      <a:alpha val="55000"/>
+                    </a:schemeClr>
+                  </a:solidFill>
+                  <a:prstDash val="solid"/>
+                </a:ln>
+                <a:solidFill>
+                  <a:schemeClr val="accent1">
+                    <a:satMod val="200000"/>
+                    <a:tint val="3000"/>
+                  </a:schemeClr>
+                </a:solidFill>
                 <a:effectLst>
-                  <a:outerShdw blurRad="80000" dist="40000" dir="5040000" algn="tl">
-                    <a:srgbClr val="000000">
-                      <a:alpha val="30000"/>
-                    </a:srgbClr>
-                  </a:outerShdw>
+                  <a:innerShdw blurRad="101600" dist="76200" dir="5400000">
+                    <a:schemeClr val="accent1">
+                      <a:satMod val="190000"/>
+                      <a:tint val="100000"/>
+                      <a:alpha val="74000"/>
+                    </a:schemeClr>
+                  </a:innerShdw>
                 </a:effectLst>
               </a:rPr>
               <a:t>С днем энергетика!!!</a:t>
@@ -6617,8 +5976,8 @@
         </p:nvSpPr>
         <p:spPr>
           <a:xfrm rot="19466208">
-            <a:off x="-537295" y="2027364"/>
-            <a:ext cx="6216766" cy="861774"/>
+            <a:off x="-303257" y="2165863"/>
+            <a:ext cx="5748690" cy="584775"/>
           </a:xfrm>
           <a:prstGeom prst="rect">
             <a:avLst/>
@@ -6626,169 +5985,43 @@
           <a:noFill/>
         </p:spPr>
         <p:txBody>
-          <a:bodyPr wrap="none" lIns="91440" tIns="45720" rIns="91440" bIns="45720">
+          <a:bodyPr wrap="none" lIns="91440" tIns="45720" rIns="91440" bIns="45720" numCol="1">
+            <a:prstTxWarp prst="textCanDown">
+              <a:avLst/>
+            </a:prstTxWarp>
             <a:spAutoFit/>
-            <a:scene3d>
-              <a:camera prst="orthographicFront"/>
-              <a:lightRig rig="glow" dir="tl">
-                <a:rot lat="0" lon="0" rev="5400000"/>
-              </a:lightRig>
-            </a:scene3d>
-            <a:sp3d contourW="12700">
-              <a:bevelT w="25400" h="25400"/>
-              <a:contourClr>
-                <a:schemeClr val="accent6">
-                  <a:shade val="73000"/>
-                </a:schemeClr>
-              </a:contourClr>
-            </a:sp3d>
           </a:bodyPr>
           <a:lstStyle/>
           <a:p>
             <a:pPr algn="ctr"/>
             <a:r>
               <a:rPr lang="ru-RU" sz="3200" b="1" i="1" dirty="0">
-                <a:ln w="11430"/>
-                <a:gradFill>
-                  <a:gsLst>
-                    <a:gs pos="0">
-                      <a:schemeClr val="accent6">
-                        <a:tint val="90000"/>
-                        <a:satMod val="120000"/>
-                      </a:schemeClr>
-                    </a:gs>
-                    <a:gs pos="25000">
-                      <a:schemeClr val="accent6">
-                        <a:tint val="93000"/>
-                        <a:satMod val="120000"/>
-                      </a:schemeClr>
-                    </a:gs>
-                    <a:gs pos="50000">
-                      <a:schemeClr val="accent6">
-                        <a:shade val="89000"/>
-                        <a:satMod val="110000"/>
-                      </a:schemeClr>
-                    </a:gs>
-                    <a:gs pos="75000">
-                      <a:schemeClr val="accent6">
-                        <a:tint val="93000"/>
-                        <a:satMod val="120000"/>
-                      </a:schemeClr>
-                    </a:gs>
-                    <a:gs pos="100000">
-                      <a:schemeClr val="accent6">
-                        <a:tint val="90000"/>
-                        <a:satMod val="120000"/>
-                      </a:schemeClr>
-                    </a:gs>
-                  </a:gsLst>
-                  <a:lin ang="5400000"/>
-                </a:gradFill>
+                <a:ln w="900" cmpd="sng">
+                  <a:solidFill>
+                    <a:schemeClr val="accent1">
+                      <a:satMod val="190000"/>
+                      <a:alpha val="55000"/>
+                    </a:schemeClr>
+                  </a:solidFill>
+                  <a:prstDash val="solid"/>
+                </a:ln>
+                <a:solidFill>
+                  <a:schemeClr val="accent1">
+                    <a:satMod val="200000"/>
+                    <a:tint val="3000"/>
+                  </a:schemeClr>
+                </a:solidFill>
                 <a:effectLst>
-                  <a:outerShdw blurRad="80000" dist="40000" dir="5040000" algn="tl">
-                    <a:srgbClr val="000000">
-                      <a:alpha val="30000"/>
-                    </a:srgbClr>
-                  </a:outerShdw>
+                  <a:innerShdw blurRad="101600" dist="76200" dir="5400000">
+                    <a:schemeClr val="accent1">
+                      <a:satMod val="190000"/>
+                      <a:tint val="100000"/>
+                      <a:alpha val="74000"/>
+                    </a:schemeClr>
+                  </a:innerShdw>
                 </a:effectLst>
               </a:rPr>
-              <a:t>С наступающим </a:t>
-            </a:r>
-            <a:r>
-              <a:rPr lang="ru-RU" sz="5000" b="1" i="1" dirty="0">
-                <a:ln w="11430"/>
-                <a:gradFill>
-                  <a:gsLst>
-                    <a:gs pos="0">
-                      <a:schemeClr val="accent6">
-                        <a:tint val="90000"/>
-                        <a:satMod val="120000"/>
-                      </a:schemeClr>
-                    </a:gs>
-                    <a:gs pos="25000">
-                      <a:schemeClr val="accent6">
-                        <a:tint val="93000"/>
-                        <a:satMod val="120000"/>
-                      </a:schemeClr>
-                    </a:gs>
-                    <a:gs pos="50000">
-                      <a:schemeClr val="accent6">
-                        <a:shade val="89000"/>
-                        <a:satMod val="110000"/>
-                      </a:schemeClr>
-                    </a:gs>
-                    <a:gs pos="75000">
-                      <a:schemeClr val="accent6">
-                        <a:tint val="93000"/>
-                        <a:satMod val="120000"/>
-                      </a:schemeClr>
-                    </a:gs>
-                    <a:gs pos="100000">
-                      <a:schemeClr val="accent6">
-                        <a:tint val="90000"/>
-                        <a:satMod val="120000"/>
-                      </a:schemeClr>
-                    </a:gs>
-                  </a:gsLst>
-                  <a:lin ang="5400000"/>
-                </a:gradFill>
-                <a:effectLst>
-                  <a:outerShdw blurRad="80000" dist="40000" dir="5040000" algn="tl">
-                    <a:srgbClr val="000000">
-                      <a:alpha val="30000"/>
-                    </a:srgbClr>
-                  </a:outerShdw>
-                </a:effectLst>
-              </a:rPr>
-              <a:t>2012</a:t>
-            </a:r>
-            <a:r>
-              <a:rPr lang="ru-RU" sz="3200" b="1" i="1" dirty="0">
-                <a:ln w="11430"/>
-                <a:gradFill>
-                  <a:gsLst>
-                    <a:gs pos="0">
-                      <a:schemeClr val="accent6">
-                        <a:tint val="90000"/>
-                        <a:satMod val="120000"/>
-                      </a:schemeClr>
-                    </a:gs>
-                    <a:gs pos="25000">
-                      <a:schemeClr val="accent6">
-                        <a:tint val="93000"/>
-                        <a:satMod val="120000"/>
-                      </a:schemeClr>
-                    </a:gs>
-                    <a:gs pos="50000">
-                      <a:schemeClr val="accent6">
-                        <a:shade val="89000"/>
-                        <a:satMod val="110000"/>
-                      </a:schemeClr>
-                    </a:gs>
-                    <a:gs pos="75000">
-                      <a:schemeClr val="accent6">
-                        <a:tint val="93000"/>
-                        <a:satMod val="120000"/>
-                      </a:schemeClr>
-                    </a:gs>
-                    <a:gs pos="100000">
-                      <a:schemeClr val="accent6">
-                        <a:tint val="90000"/>
-                        <a:satMod val="120000"/>
-                      </a:schemeClr>
-                    </a:gs>
-                  </a:gsLst>
-                  <a:lin ang="5400000"/>
-                </a:gradFill>
-                <a:effectLst>
-                  <a:outerShdw blurRad="80000" dist="40000" dir="5040000" algn="tl">
-                    <a:srgbClr val="000000">
-                      <a:alpha val="30000"/>
-                    </a:srgbClr>
-                  </a:outerShdw>
-                </a:effectLst>
-              </a:rPr>
-              <a:t> годом!!!</a:t>
+              <a:t>С наступающим 2012 годом!!!</a:t>
             </a:r>
           </a:p>
         </p:txBody>
@@ -6801,8 +6034,8 @@
         </p:nvSpPr>
         <p:spPr>
           <a:xfrm rot="20938333">
-            <a:off x="4978041" y="5389338"/>
-            <a:ext cx="4031039" cy="1015663"/>
+            <a:off x="4853840" y="5295066"/>
+            <a:ext cx="4092117" cy="1083178"/>
           </a:xfrm>
           <a:prstGeom prst="rect">
             <a:avLst/>
@@ -6810,70 +6043,40 @@
           <a:noFill/>
         </p:spPr>
         <p:txBody>
-          <a:bodyPr wrap="none" lIns="91440" tIns="45720" rIns="91440" bIns="45720">
+          <a:bodyPr wrap="none" lIns="91440" tIns="45720" rIns="91440" bIns="45720" numCol="1">
+            <a:prstTxWarp prst="textCanDown">
+              <a:avLst/>
+            </a:prstTxWarp>
             <a:spAutoFit/>
-            <a:scene3d>
-              <a:camera prst="orthographicFront"/>
-              <a:lightRig rig="glow" dir="tl">
-                <a:rot lat="0" lon="0" rev="5400000"/>
-              </a:lightRig>
-            </a:scene3d>
-            <a:sp3d contourW="12700">
-              <a:bevelT w="25400" h="25400"/>
-              <a:contourClr>
-                <a:schemeClr val="accent6">
-                  <a:shade val="73000"/>
-                </a:schemeClr>
-              </a:contourClr>
-            </a:sp3d>
           </a:bodyPr>
           <a:lstStyle/>
           <a:p>
             <a:pPr algn="ctr"/>
             <a:r>
-              <a:rPr lang="ru-RU" sz="2000" b="1" i="1" dirty="0">
-                <a:ln w="11430"/>
-                <a:gradFill>
-                  <a:gsLst>
-                    <a:gs pos="0">
-                      <a:schemeClr val="accent6">
-                        <a:tint val="90000"/>
-                        <a:satMod val="120000"/>
-                      </a:schemeClr>
-                    </a:gs>
-                    <a:gs pos="25000">
-                      <a:schemeClr val="accent6">
-                        <a:tint val="93000"/>
-                        <a:satMod val="120000"/>
-                      </a:schemeClr>
-                    </a:gs>
-                    <a:gs pos="50000">
-                      <a:schemeClr val="accent6">
-                        <a:shade val="89000"/>
-                        <a:satMod val="110000"/>
-                      </a:schemeClr>
-                    </a:gs>
-                    <a:gs pos="75000">
-                      <a:schemeClr val="accent6">
-                        <a:tint val="93000"/>
-                        <a:satMod val="120000"/>
-                      </a:schemeClr>
-                    </a:gs>
-                    <a:gs pos="100000">
-                      <a:schemeClr val="accent6">
-                        <a:tint val="90000"/>
-                        <a:satMod val="120000"/>
-                      </a:schemeClr>
-                    </a:gs>
-                  </a:gsLst>
-                  <a:lin ang="5400000"/>
-                </a:gradFill>
+              <a:rPr lang="ru-RU" sz="3200" b="1" i="1" dirty="0">
+                <a:ln w="900" cmpd="sng">
+                  <a:solidFill>
+                    <a:schemeClr val="accent1">
+                      <a:satMod val="190000"/>
+                      <a:alpha val="55000"/>
+                    </a:schemeClr>
+                  </a:solidFill>
+                  <a:prstDash val="solid"/>
+                </a:ln>
+                <a:solidFill>
+                  <a:schemeClr val="accent1">
+                    <a:satMod val="200000"/>
+                    <a:tint val="3000"/>
+                  </a:schemeClr>
+                </a:solidFill>
                 <a:effectLst>
-                  <a:outerShdw blurRad="80000" dist="40000" dir="5040000" algn="tl">
-                    <a:srgbClr val="000000">
-                      <a:alpha val="30000"/>
-                    </a:srgbClr>
-                  </a:outerShdw>
+                  <a:innerShdw blurRad="101600" dist="76200" dir="5400000">
+                    <a:schemeClr val="accent1">
+                      <a:satMod val="190000"/>
+                      <a:tint val="100000"/>
+                      <a:alpha val="74000"/>
+                    </a:schemeClr>
+                  </a:innerShdw>
                 </a:effectLst>
               </a:rPr>
               <a:t>Коллектив Оперативной службы</a:t>
@@ -6882,145 +6085,88 @@
           <a:p>
             <a:pPr algn="ctr"/>
             <a:r>
-              <a:rPr lang="ru-RU" sz="2000" b="1" i="1" dirty="0">
-                <a:ln w="11430"/>
-                <a:gradFill>
-                  <a:gsLst>
-                    <a:gs pos="0">
-                      <a:schemeClr val="accent6">
-                        <a:tint val="90000"/>
-                        <a:satMod val="120000"/>
-                      </a:schemeClr>
-                    </a:gs>
-                    <a:gs pos="25000">
-                      <a:schemeClr val="accent6">
-                        <a:tint val="93000"/>
-                        <a:satMod val="120000"/>
-                      </a:schemeClr>
-                    </a:gs>
-                    <a:gs pos="50000">
-                      <a:schemeClr val="accent6">
-                        <a:shade val="89000"/>
-                        <a:satMod val="110000"/>
-                      </a:schemeClr>
-                    </a:gs>
-                    <a:gs pos="75000">
-                      <a:schemeClr val="accent6">
-                        <a:tint val="93000"/>
-                        <a:satMod val="120000"/>
-                      </a:schemeClr>
-                    </a:gs>
-                    <a:gs pos="100000">
-                      <a:schemeClr val="accent6">
-                        <a:tint val="90000"/>
-                        <a:satMod val="120000"/>
-                      </a:schemeClr>
-                    </a:gs>
-                  </a:gsLst>
-                  <a:lin ang="5400000"/>
-                </a:gradFill>
+              <a:rPr lang="ru-RU" sz="3200" b="1" i="1" dirty="0">
+                <a:ln w="900" cmpd="sng">
+                  <a:solidFill>
+                    <a:schemeClr val="accent1">
+                      <a:satMod val="190000"/>
+                      <a:alpha val="55000"/>
+                    </a:schemeClr>
+                  </a:solidFill>
+                  <a:prstDash val="solid"/>
+                </a:ln>
+                <a:solidFill>
+                  <a:schemeClr val="accent1">
+                    <a:satMod val="200000"/>
+                    <a:tint val="3000"/>
+                  </a:schemeClr>
+                </a:solidFill>
                 <a:effectLst>
-                  <a:outerShdw blurRad="80000" dist="40000" dir="5040000" algn="tl">
-                    <a:srgbClr val="000000">
-                      <a:alpha val="30000"/>
-                    </a:srgbClr>
-                  </a:outerShdw>
+                  <a:innerShdw blurRad="101600" dist="76200" dir="5400000">
+                    <a:schemeClr val="accent1">
+                      <a:satMod val="190000"/>
+                      <a:tint val="100000"/>
+                      <a:alpha val="74000"/>
+                    </a:schemeClr>
+                  </a:innerShdw>
                 </a:effectLst>
               </a:rPr>
               <a:t>Филиала ОАО «</a:t>
             </a:r>
             <a:r>
-              <a:rPr lang="ru-RU" sz="2000" b="1" i="1" dirty="0" err="1">
-                <a:ln w="11430"/>
-                <a:gradFill>
-                  <a:gsLst>
-                    <a:gs pos="0">
-                      <a:schemeClr val="accent6">
-                        <a:tint val="90000"/>
-                        <a:satMod val="120000"/>
-                      </a:schemeClr>
-                    </a:gs>
-                    <a:gs pos="25000">
-                      <a:schemeClr val="accent6">
-                        <a:tint val="93000"/>
-                        <a:satMod val="120000"/>
-                      </a:schemeClr>
-                    </a:gs>
-                    <a:gs pos="50000">
-                      <a:schemeClr val="accent6">
-                        <a:shade val="89000"/>
-                        <a:satMod val="110000"/>
-                      </a:schemeClr>
-                    </a:gs>
-                    <a:gs pos="75000">
-                      <a:schemeClr val="accent6">
-                        <a:tint val="93000"/>
-                        <a:satMod val="120000"/>
-                      </a:schemeClr>
-                    </a:gs>
-                    <a:gs pos="100000">
-                      <a:schemeClr val="accent6">
-                        <a:tint val="90000"/>
-                        <a:satMod val="120000"/>
-                      </a:schemeClr>
-                    </a:gs>
-                  </a:gsLst>
-                  <a:lin ang="5400000"/>
-                </a:gradFill>
+              <a:rPr lang="ru-RU" sz="3200" b="1" i="1" dirty="0" err="1">
+                <a:ln w="900" cmpd="sng">
+                  <a:solidFill>
+                    <a:schemeClr val="accent1">
+                      <a:satMod val="190000"/>
+                      <a:alpha val="55000"/>
+                    </a:schemeClr>
+                  </a:solidFill>
+                  <a:prstDash val="solid"/>
+                </a:ln>
+                <a:solidFill>
+                  <a:schemeClr val="accent1">
+                    <a:satMod val="200000"/>
+                    <a:tint val="3000"/>
+                  </a:schemeClr>
+                </a:solidFill>
                 <a:effectLst>
-                  <a:outerShdw blurRad="80000" dist="40000" dir="5040000" algn="tl">
-                    <a:srgbClr val="000000">
-                      <a:alpha val="30000"/>
-                    </a:srgbClr>
-                  </a:outerShdw>
+                  <a:innerShdw blurRad="101600" dist="76200" dir="5400000">
+                    <a:schemeClr val="accent1">
+                      <a:satMod val="190000"/>
+                      <a:tint val="100000"/>
+                      <a:alpha val="74000"/>
+                    </a:schemeClr>
+                  </a:innerShdw>
                 </a:effectLst>
               </a:rPr>
               <a:t>РусГидро</a:t>
             </a:r>
             <a:r>
-              <a:rPr lang="ru-RU" sz="2000" b="1" i="1" dirty="0">
-                <a:ln w="11430"/>
-                <a:gradFill>
-                  <a:gsLst>
-                    <a:gs pos="0">
-                      <a:schemeClr val="accent6">
-                        <a:tint val="90000"/>
-                        <a:satMod val="120000"/>
-                      </a:schemeClr>
-                    </a:gs>
-                    <a:gs pos="25000">
-                      <a:schemeClr val="accent6">
-                        <a:tint val="93000"/>
-                        <a:satMod val="120000"/>
-                      </a:schemeClr>
-                    </a:gs>
-                    <a:gs pos="50000">
-                      <a:schemeClr val="accent6">
-                        <a:shade val="89000"/>
-                        <a:satMod val="110000"/>
-                      </a:schemeClr>
-                    </a:gs>
-                    <a:gs pos="75000">
-                      <a:schemeClr val="accent6">
-                        <a:tint val="93000"/>
-                        <a:satMod val="120000"/>
-                      </a:schemeClr>
-                    </a:gs>
-                    <a:gs pos="100000">
-                      <a:schemeClr val="accent6">
-                        <a:tint val="90000"/>
-                        <a:satMod val="120000"/>
-                      </a:schemeClr>
-                    </a:gs>
-                  </a:gsLst>
-                  <a:lin ang="5400000"/>
-                </a:gradFill>
+              <a:rPr lang="ru-RU" sz="3200" b="1" i="1" dirty="0">
+                <a:ln w="900" cmpd="sng">
+                  <a:solidFill>
+                    <a:schemeClr val="accent1">
+                      <a:satMod val="190000"/>
+                      <a:alpha val="55000"/>
+                    </a:schemeClr>
+                  </a:solidFill>
+                  <a:prstDash val="solid"/>
+                </a:ln>
+                <a:solidFill>
+                  <a:schemeClr val="accent1">
+                    <a:satMod val="200000"/>
+                    <a:tint val="3000"/>
+                  </a:schemeClr>
+                </a:solidFill>
                 <a:effectLst>
-                  <a:outerShdw blurRad="80000" dist="40000" dir="5040000" algn="tl">
-                    <a:srgbClr val="000000">
-                      <a:alpha val="30000"/>
-                    </a:srgbClr>
-                  </a:outerShdw>
+                  <a:innerShdw blurRad="101600" dist="76200" dir="5400000">
+                    <a:schemeClr val="accent1">
+                      <a:satMod val="190000"/>
+                      <a:tint val="100000"/>
+                      <a:alpha val="74000"/>
+                    </a:schemeClr>
+                  </a:innerShdw>
                 </a:effectLst>
               </a:rPr>
               <a:t>» –</a:t>
@@ -7029,152 +6175,208 @@
           <a:p>
             <a:pPr algn="ctr"/>
             <a:r>
-              <a:rPr lang="ru-RU" sz="2000" b="1" i="1" dirty="0">
-                <a:ln w="11430"/>
-                <a:gradFill>
-                  <a:gsLst>
-                    <a:gs pos="0">
-                      <a:schemeClr val="accent6">
-                        <a:tint val="90000"/>
-                        <a:satMod val="120000"/>
-                      </a:schemeClr>
-                    </a:gs>
-                    <a:gs pos="25000">
-                      <a:schemeClr val="accent6">
-                        <a:tint val="93000"/>
-                        <a:satMod val="120000"/>
-                      </a:schemeClr>
-                    </a:gs>
-                    <a:gs pos="50000">
-                      <a:schemeClr val="accent6">
-                        <a:shade val="89000"/>
-                        <a:satMod val="110000"/>
-                      </a:schemeClr>
-                    </a:gs>
-                    <a:gs pos="75000">
-                      <a:schemeClr val="accent6">
-                        <a:tint val="93000"/>
-                        <a:satMod val="120000"/>
-                      </a:schemeClr>
-                    </a:gs>
-                    <a:gs pos="100000">
-                      <a:schemeClr val="accent6">
-                        <a:tint val="90000"/>
-                        <a:satMod val="120000"/>
-                      </a:schemeClr>
-                    </a:gs>
-                  </a:gsLst>
-                  <a:lin ang="5400000"/>
-                </a:gradFill>
+              <a:rPr lang="ru-RU" sz="3200" b="1" i="1" dirty="0">
+                <a:ln w="900" cmpd="sng">
+                  <a:solidFill>
+                    <a:schemeClr val="accent1">
+                      <a:satMod val="190000"/>
+                      <a:alpha val="55000"/>
+                    </a:schemeClr>
+                  </a:solidFill>
+                  <a:prstDash val="solid"/>
+                </a:ln>
+                <a:solidFill>
+                  <a:schemeClr val="accent1">
+                    <a:satMod val="200000"/>
+                    <a:tint val="3000"/>
+                  </a:schemeClr>
+                </a:solidFill>
                 <a:effectLst>
-                  <a:outerShdw blurRad="80000" dist="40000" dir="5040000" algn="tl">
-                    <a:srgbClr val="000000">
-                      <a:alpha val="30000"/>
-                    </a:srgbClr>
-                  </a:outerShdw>
+                  <a:innerShdw blurRad="101600" dist="76200" dir="5400000">
+                    <a:schemeClr val="accent1">
+                      <a:satMod val="190000"/>
+                      <a:tint val="100000"/>
+                      <a:alpha val="74000"/>
+                    </a:schemeClr>
+                  </a:innerShdw>
                 </a:effectLst>
               </a:rPr>
               <a:t>«</a:t>
             </a:r>
             <a:r>
-              <a:rPr lang="ru-RU" sz="2000" b="1" i="1" dirty="0" err="1">
-                <a:ln w="11430"/>
-                <a:gradFill>
-                  <a:gsLst>
-                    <a:gs pos="0">
-                      <a:schemeClr val="accent6">
-                        <a:tint val="90000"/>
-                        <a:satMod val="120000"/>
-                      </a:schemeClr>
-                    </a:gs>
-                    <a:gs pos="25000">
-                      <a:schemeClr val="accent6">
-                        <a:tint val="93000"/>
-                        <a:satMod val="120000"/>
-                      </a:schemeClr>
-                    </a:gs>
-                    <a:gs pos="50000">
-                      <a:schemeClr val="accent6">
-                        <a:shade val="89000"/>
-                        <a:satMod val="110000"/>
-                      </a:schemeClr>
-                    </a:gs>
-                    <a:gs pos="75000">
-                      <a:schemeClr val="accent6">
-                        <a:tint val="93000"/>
-                        <a:satMod val="120000"/>
-                      </a:schemeClr>
-                    </a:gs>
-                    <a:gs pos="100000">
-                      <a:schemeClr val="accent6">
-                        <a:tint val="90000"/>
-                        <a:satMod val="120000"/>
-                      </a:schemeClr>
-                    </a:gs>
-                  </a:gsLst>
-                  <a:lin ang="5400000"/>
-                </a:gradFill>
+              <a:rPr lang="ru-RU" sz="3200" b="1" i="1" dirty="0" err="1">
+                <a:ln w="900" cmpd="sng">
+                  <a:solidFill>
+                    <a:schemeClr val="accent1">
+                      <a:satMod val="190000"/>
+                      <a:alpha val="55000"/>
+                    </a:schemeClr>
+                  </a:solidFill>
+                  <a:prstDash val="solid"/>
+                </a:ln>
+                <a:solidFill>
+                  <a:schemeClr val="accent1">
+                    <a:satMod val="200000"/>
+                    <a:tint val="3000"/>
+                  </a:schemeClr>
+                </a:solidFill>
                 <a:effectLst>
-                  <a:outerShdw blurRad="80000" dist="40000" dir="5040000" algn="tl">
-                    <a:srgbClr val="000000">
-                      <a:alpha val="30000"/>
-                    </a:srgbClr>
-                  </a:outerShdw>
+                  <a:innerShdw blurRad="101600" dist="76200" dir="5400000">
+                    <a:schemeClr val="accent1">
+                      <a:satMod val="190000"/>
+                      <a:tint val="100000"/>
+                      <a:alpha val="74000"/>
+                    </a:schemeClr>
+                  </a:innerShdw>
                 </a:effectLst>
               </a:rPr>
               <a:t>Воткинская</a:t>
             </a:r>
             <a:r>
-              <a:rPr lang="ru-RU" sz="2000" b="1" i="1" dirty="0">
-                <a:ln w="11430"/>
-                <a:gradFill>
-                  <a:gsLst>
-                    <a:gs pos="0">
-                      <a:schemeClr val="accent6">
-                        <a:tint val="90000"/>
-                        <a:satMod val="120000"/>
-                      </a:schemeClr>
-                    </a:gs>
-                    <a:gs pos="25000">
-                      <a:schemeClr val="accent6">
-                        <a:tint val="93000"/>
-                        <a:satMod val="120000"/>
-                      </a:schemeClr>
-                    </a:gs>
-                    <a:gs pos="50000">
-                      <a:schemeClr val="accent6">
-                        <a:shade val="89000"/>
-                        <a:satMod val="110000"/>
-                      </a:schemeClr>
-                    </a:gs>
-                    <a:gs pos="75000">
-                      <a:schemeClr val="accent6">
-                        <a:tint val="93000"/>
-                        <a:satMod val="120000"/>
-                      </a:schemeClr>
-                    </a:gs>
-                    <a:gs pos="100000">
-                      <a:schemeClr val="accent6">
-                        <a:tint val="90000"/>
-                        <a:satMod val="120000"/>
-                      </a:schemeClr>
-                    </a:gs>
-                  </a:gsLst>
-                  <a:lin ang="5400000"/>
-                </a:gradFill>
+              <a:rPr lang="ru-RU" sz="3200" b="1" i="1" dirty="0">
+                <a:ln w="900" cmpd="sng">
+                  <a:solidFill>
+                    <a:schemeClr val="accent1">
+                      <a:satMod val="190000"/>
+                      <a:alpha val="55000"/>
+                    </a:schemeClr>
+                  </a:solidFill>
+                  <a:prstDash val="solid"/>
+                </a:ln>
+                <a:solidFill>
+                  <a:schemeClr val="accent1">
+                    <a:satMod val="200000"/>
+                    <a:tint val="3000"/>
+                  </a:schemeClr>
+                </a:solidFill>
                 <a:effectLst>
-                  <a:outerShdw blurRad="80000" dist="40000" dir="5040000" algn="tl">
-                    <a:srgbClr val="000000">
-                      <a:alpha val="30000"/>
-                    </a:srgbClr>
-                  </a:outerShdw>
+                  <a:innerShdw blurRad="101600" dist="76200" dir="5400000">
+                    <a:schemeClr val="accent1">
+                      <a:satMod val="190000"/>
+                      <a:tint val="100000"/>
+                      <a:alpha val="74000"/>
+                    </a:schemeClr>
+                  </a:innerShdw>
                 </a:effectLst>
               </a:rPr>
               <a:t> ГЭС»</a:t>
             </a:r>
+            <a:endParaRPr lang="en-US" sz="3200" b="1" i="1" dirty="0">
+              <a:ln w="900" cmpd="sng">
+                <a:solidFill>
+                  <a:schemeClr val="accent1">
+                    <a:satMod val="190000"/>
+                    <a:alpha val="55000"/>
+                  </a:schemeClr>
+                </a:solidFill>
+                <a:prstDash val="solid"/>
+              </a:ln>
+              <a:solidFill>
+                <a:schemeClr val="accent1">
+                  <a:satMod val="200000"/>
+                  <a:tint val="3000"/>
+                </a:schemeClr>
+              </a:solidFill>
+              <a:effectLst>
+                <a:innerShdw blurRad="101600" dist="76200" dir="5400000">
+                  <a:schemeClr val="accent1">
+                    <a:satMod val="190000"/>
+                    <a:tint val="100000"/>
+                    <a:alpha val="74000"/>
+                  </a:schemeClr>
+                </a:innerShdw>
+              </a:effectLst>
+            </a:endParaRPr>
+          </a:p>
+          <a:p>
+            <a:pPr algn="r"/>
+            <a:r>
+              <a:rPr lang="en-US" sz="3200" b="1" i="1" dirty="0" smtClean="0">
+                <a:ln w="900" cmpd="sng">
+                  <a:solidFill>
+                    <a:schemeClr val="accent1">
+                      <a:satMod val="190000"/>
+                      <a:alpha val="55000"/>
+                    </a:schemeClr>
+                  </a:solidFill>
+                  <a:prstDash val="solid"/>
+                </a:ln>
+                <a:solidFill>
+                  <a:schemeClr val="accent1">
+                    <a:satMod val="200000"/>
+                    <a:tint val="3000"/>
+                  </a:schemeClr>
+                </a:solidFill>
+                <a:effectLst>
+                  <a:innerShdw blurRad="101600" dist="76200" dir="5400000">
+                    <a:schemeClr val="accent1">
+                      <a:satMod val="190000"/>
+                      <a:tint val="100000"/>
+                      <a:alpha val="74000"/>
+                    </a:schemeClr>
+                  </a:innerShdw>
+                </a:effectLst>
+              </a:rPr>
+              <a:t>22.12.2011</a:t>
+            </a:r>
+            <a:endParaRPr lang="ru-RU" sz="3200" b="1" i="1" dirty="0">
+              <a:ln w="900" cmpd="sng">
+                <a:solidFill>
+                  <a:schemeClr val="accent1">
+                    <a:satMod val="190000"/>
+                    <a:alpha val="55000"/>
+                  </a:schemeClr>
+                </a:solidFill>
+                <a:prstDash val="solid"/>
+              </a:ln>
+              <a:solidFill>
+                <a:schemeClr val="accent1">
+                  <a:satMod val="200000"/>
+                  <a:tint val="3000"/>
+                </a:schemeClr>
+              </a:solidFill>
+              <a:effectLst>
+                <a:innerShdw blurRad="101600" dist="76200" dir="5400000">
+                  <a:schemeClr val="accent1">
+                    <a:satMod val="190000"/>
+                    <a:tint val="100000"/>
+                    <a:alpha val="74000"/>
+                  </a:schemeClr>
+                </a:innerShdw>
+              </a:effectLst>
+            </a:endParaRPr>
           </a:p>
         </p:txBody>
       </p:sp>
+      <p:pic>
+        <p:nvPicPr>
+          <p:cNvPr id="2" name="Рисунок 1"/>
+          <p:cNvPicPr>
+            <a:picLocks noChangeAspect="1"/>
+          </p:cNvPicPr>
+          <p:nvPr/>
+        </p:nvPicPr>
+        <p:blipFill rotWithShape="1">
+          <a:blip r:embed="rId3" cstate="email">
+            <a:extLst>
+              <a:ext uri="{28A0092B-C50C-407E-A947-70E740481C1C}">
+                <a14:useLocalDpi xmlns:a14="http://schemas.microsoft.com/office/drawing/2010/main"/>
+              </a:ext>
+            </a:extLst>
+          </a:blip>
+          <a:srcRect/>
+          <a:stretch/>
+        </p:blipFill>
+        <p:spPr>
+          <a:xfrm>
+            <a:off x="8460432" y="6237312"/>
+            <a:ext cx="497678" cy="504056"/>
+          </a:xfrm>
+          <a:prstGeom prst="rect">
+            <a:avLst/>
+          </a:prstGeom>
+        </p:spPr>
+      </p:pic>
     </p:spTree>
     <p:extLst>
       <p:ext uri="{BB962C8B-B14F-4D97-AF65-F5344CB8AC3E}">
@@ -7212,7 +6414,7 @@
                             </p:stCondLst>
                             <p:childTnLst>
                               <p:par>
-                                <p:cTn id="5" presetID="42" presetClass="entr" presetSubtype="0" fill="hold" grpId="1" nodeType="afterEffect">
+                                <p:cTn id="5" presetID="45" presetClass="entr" presetSubtype="0" fill="hold" nodeType="afterEffect">
                                   <p:stCondLst>
                                     <p:cond delay="0"/>
                                   </p:stCondLst>
@@ -7220,6 +6422,87 @@
                                     <p:set>
                                       <p:cBhvr>
                                         <p:cTn id="6" dur="1" fill="hold">
+                                          <p:stCondLst>
+                                            <p:cond delay="0"/>
+                                          </p:stCondLst>
+                                        </p:cTn>
+                                        <p:tgtEl>
+                                          <p:spTgt spid="2"/>
+                                        </p:tgtEl>
+                                        <p:attrNameLst>
+                                          <p:attrName>style.visibility</p:attrName>
+                                        </p:attrNameLst>
+                                      </p:cBhvr>
+                                      <p:to>
+                                        <p:strVal val="visible"/>
+                                      </p:to>
+                                    </p:set>
+                                    <p:animEffect transition="in" filter="fade">
+                                      <p:cBhvr>
+                                        <p:cTn id="7" dur="9000"/>
+                                        <p:tgtEl>
+                                          <p:spTgt spid="2"/>
+                                        </p:tgtEl>
+                                      </p:cBhvr>
+                                    </p:animEffect>
+                                    <p:anim calcmode="lin" valueType="num">
+                                      <p:cBhvr>
+                                        <p:cTn id="8" dur="9000" fill="hold"/>
+                                        <p:tgtEl>
+                                          <p:spTgt spid="2"/>
+                                        </p:tgtEl>
+                                        <p:attrNameLst>
+                                          <p:attrName>ppt_w</p:attrName>
+                                        </p:attrNameLst>
+                                      </p:cBhvr>
+                                      <p:tavLst>
+                                        <p:tav tm="0" fmla="#ppt_w*sin(2.5*pi*$)">
+                                          <p:val>
+                                            <p:fltVal val="0"/>
+                                          </p:val>
+                                        </p:tav>
+                                        <p:tav tm="100000">
+                                          <p:val>
+                                            <p:fltVal val="1"/>
+                                          </p:val>
+                                        </p:tav>
+                                      </p:tavLst>
+                                    </p:anim>
+                                    <p:anim calcmode="lin" valueType="num">
+                                      <p:cBhvr>
+                                        <p:cTn id="9" dur="9000" fill="hold"/>
+                                        <p:tgtEl>
+                                          <p:spTgt spid="2"/>
+                                        </p:tgtEl>
+                                        <p:attrNameLst>
+                                          <p:attrName>ppt_h</p:attrName>
+                                        </p:attrNameLst>
+                                      </p:cBhvr>
+                                      <p:tavLst>
+                                        <p:tav tm="0">
+                                          <p:val>
+                                            <p:strVal val="#ppt_h"/>
+                                          </p:val>
+                                        </p:tav>
+                                        <p:tav tm="100000">
+                                          <p:val>
+                                            <p:strVal val="#ppt_h"/>
+                                          </p:val>
+                                        </p:tav>
+                                      </p:tavLst>
+                                    </p:anim>
+                                  </p:childTnLst>
+                                </p:cTn>
+                              </p:par>
+                              <p:par>
+                                <p:cTn id="10" presetID="42" presetClass="entr" presetSubtype="0" fill="hold" grpId="1" nodeType="withEffect">
+                                  <p:stCondLst>
+                                    <p:cond delay="0"/>
+                                  </p:stCondLst>
+                                  <p:childTnLst>
+                                    <p:set>
+                                      <p:cBhvr>
+                                        <p:cTn id="11" dur="1" fill="hold">
                                           <p:stCondLst>
                                             <p:cond delay="0"/>
                                           </p:stCondLst>
@@ -7237,7 +6520,7 @@
                                     </p:set>
                                     <p:animEffect transition="in" filter="fade">
                                       <p:cBhvr>
-                                        <p:cTn id="7" dur="3000"/>
+                                        <p:cTn id="12" dur="3000"/>
                                         <p:tgtEl>
                                           <p:spTgt spid="7"/>
                                         </p:tgtEl>
@@ -7245,7 +6528,7 @@
                                     </p:animEffect>
                                     <p:anim calcmode="lin" valueType="num">
                                       <p:cBhvr>
-                                        <p:cTn id="8" dur="3000" fill="hold"/>
+                                        <p:cTn id="13" dur="3000" fill="hold"/>
                                         <p:tgtEl>
                                           <p:spTgt spid="7"/>
                                         </p:tgtEl>
@@ -7268,7 +6551,7 @@
                                     </p:anim>
                                     <p:anim calcmode="lin" valueType="num">
                                       <p:cBhvr>
-                                        <p:cTn id="9" dur="3000" fill="hold"/>
+                                        <p:cTn id="14" dur="3000" fill="hold"/>
                                         <p:tgtEl>
                                           <p:spTgt spid="7"/>
                                         </p:tgtEl>
@@ -7293,14 +6576,14 @@
                                 </p:cTn>
                               </p:par>
                               <p:par>
-                                <p:cTn id="10" presetID="8" presetClass="emph" presetSubtype="0" fill="hold" grpId="0" nodeType="withEffect">
+                                <p:cTn id="15" presetID="8" presetClass="emph" presetSubtype="0" fill="hold" grpId="0" nodeType="withEffect">
                                   <p:stCondLst>
                                     <p:cond delay="0"/>
                                   </p:stCondLst>
                                   <p:childTnLst>
                                     <p:animRot by="21600000">
                                       <p:cBhvr>
-                                        <p:cTn id="11" dur="3000" fill="hold"/>
+                                        <p:cTn id="16" dur="3000" fill="hold"/>
                                         <p:tgtEl>
                                           <p:spTgt spid="7"/>
                                         </p:tgtEl>
@@ -7312,24 +6595,15 @@
                                   </p:childTnLst>
                                 </p:cTn>
                               </p:par>
-                            </p:childTnLst>
-                          </p:cTn>
-                        </p:par>
-                        <p:par>
-                          <p:cTn id="12" fill="hold">
-                            <p:stCondLst>
-                              <p:cond delay="3000"/>
-                            </p:stCondLst>
-                            <p:childTnLst>
                               <p:par>
-                                <p:cTn id="13" presetID="31" presetClass="entr" presetSubtype="0" fill="hold" grpId="0" nodeType="afterEffect">
+                                <p:cTn id="17" presetID="31" presetClass="entr" presetSubtype="0" fill="hold" grpId="0" nodeType="withEffect">
                                   <p:stCondLst>
-                                    <p:cond delay="0"/>
+                                    <p:cond delay="3000"/>
                                   </p:stCondLst>
                                   <p:childTnLst>
                                     <p:set>
                                       <p:cBhvr>
-                                        <p:cTn id="14" dur="1" fill="hold">
+                                        <p:cTn id="18" dur="1" fill="hold">
                                           <p:stCondLst>
                                             <p:cond delay="0"/>
                                           </p:stCondLst>
@@ -7347,7 +6621,7 @@
                                     </p:set>
                                     <p:anim calcmode="lin" valueType="num">
                                       <p:cBhvr>
-                                        <p:cTn id="15" dur="3000" fill="hold"/>
+                                        <p:cTn id="19" dur="3000" fill="hold"/>
                                         <p:tgtEl>
                                           <p:spTgt spid="8"/>
                                         </p:tgtEl>
@@ -7370,7 +6644,7 @@
                                     </p:anim>
                                     <p:anim calcmode="lin" valueType="num">
                                       <p:cBhvr>
-                                        <p:cTn id="16" dur="3000" fill="hold"/>
+                                        <p:cTn id="20" dur="3000" fill="hold"/>
                                         <p:tgtEl>
                                           <p:spTgt spid="8"/>
                                         </p:tgtEl>
@@ -7393,7 +6667,7 @@
                                     </p:anim>
                                     <p:anim calcmode="lin" valueType="num">
                                       <p:cBhvr>
-                                        <p:cTn id="17" dur="3000" fill="hold"/>
+                                        <p:cTn id="21" dur="3000" fill="hold"/>
                                         <p:tgtEl>
                                           <p:spTgt spid="8"/>
                                         </p:tgtEl>
@@ -7416,7 +6690,7 @@
                                     </p:anim>
                                     <p:animEffect transition="in" filter="fade">
                                       <p:cBhvr>
-                                        <p:cTn id="18" dur="3000"/>
+                                        <p:cTn id="22" dur="3000"/>
                                         <p:tgtEl>
                                           <p:spTgt spid="8"/>
                                         </p:tgtEl>
@@ -7426,14 +6700,14 @@
                                 </p:cTn>
                               </p:par>
                               <p:par>
-                                <p:cTn id="19" presetID="8" presetClass="emph" presetSubtype="0" fill="hold" grpId="1" nodeType="withEffect">
+                                <p:cTn id="23" presetID="8" presetClass="emph" presetSubtype="0" fill="hold" grpId="1" nodeType="withEffect">
                                   <p:stCondLst>
-                                    <p:cond delay="0"/>
+                                    <p:cond delay="3000"/>
                                   </p:stCondLst>
                                   <p:childTnLst>
                                     <p:animRot by="21600000">
                                       <p:cBhvr>
-                                        <p:cTn id="20" dur="3000" fill="hold"/>
+                                        <p:cTn id="24" dur="3000" fill="hold"/>
                                         <p:tgtEl>
                                           <p:spTgt spid="8"/>
                                         </p:tgtEl>
@@ -7445,24 +6719,15 @@
                                   </p:childTnLst>
                                 </p:cTn>
                               </p:par>
-                            </p:childTnLst>
-                          </p:cTn>
-                        </p:par>
-                        <p:par>
-                          <p:cTn id="21" fill="hold">
-                            <p:stCondLst>
-                              <p:cond delay="6000"/>
-                            </p:stCondLst>
-                            <p:childTnLst>
                               <p:par>
-                                <p:cTn id="22" presetID="53" presetClass="entr" presetSubtype="16" fill="hold" grpId="0" nodeType="afterEffect">
+                                <p:cTn id="25" presetID="53" presetClass="entr" presetSubtype="16" fill="hold" grpId="0" nodeType="withEffect">
                                   <p:stCondLst>
-                                    <p:cond delay="0"/>
+                                    <p:cond delay="6000"/>
                                   </p:stCondLst>
                                   <p:childTnLst>
                                     <p:set>
                                       <p:cBhvr>
-                                        <p:cTn id="23" dur="1" fill="hold">
+                                        <p:cTn id="26" dur="1" fill="hold">
                                           <p:stCondLst>
                                             <p:cond delay="0"/>
                                           </p:stCondLst>
@@ -7480,7 +6745,7 @@
                                     </p:set>
                                     <p:anim calcmode="lin" valueType="num">
                                       <p:cBhvr>
-                                        <p:cTn id="24" dur="3000" fill="hold"/>
+                                        <p:cTn id="27" dur="3000" fill="hold"/>
                                         <p:tgtEl>
                                           <p:spTgt spid="9"/>
                                         </p:tgtEl>
@@ -7503,7 +6768,7 @@
                                     </p:anim>
                                     <p:anim calcmode="lin" valueType="num">
                                       <p:cBhvr>
-                                        <p:cTn id="25" dur="3000" fill="hold"/>
+                                        <p:cTn id="28" dur="3000" fill="hold"/>
                                         <p:tgtEl>
                                           <p:spTgt spid="9"/>
                                         </p:tgtEl>
@@ -7526,7 +6791,7 @@
                                     </p:anim>
                                     <p:animEffect transition="in" filter="fade">
                                       <p:cBhvr>
-                                        <p:cTn id="26" dur="3000"/>
+                                        <p:cTn id="29" dur="3000"/>
                                         <p:tgtEl>
                                           <p:spTgt spid="9"/>
                                         </p:tgtEl>
